--- a/01 Classes/Aula 12 Desenvolvimento de Software  Java - Tec Programação JAVA.pptx
+++ b/01 Classes/Aula 12 Desenvolvimento de Software  Java - Tec Programação JAVA.pptx
@@ -23355,7 +23355,217 @@
             <a:pPr marL="0" indent="0" algn="just">
               <a:buNone/>
             </a:pPr>
-            <a:endParaRPr lang="pt-BR" sz="2400" b="1" dirty="0">
+            <a:r>
+              <a:rPr lang="pt-BR" sz="2000" b="1" dirty="0" err="1">
+                <a:solidFill>
+                  <a:srgbClr val="FF0000"/>
+                </a:solidFill>
+                <a:latin typeface="Times New Roman" panose="02020603050405020304" pitchFamily="18" charset="0"/>
+                <a:cs typeface="Times New Roman" panose="02020603050405020304" pitchFamily="18" charset="0"/>
+              </a:rPr>
+              <a:t>System.out.</a:t>
+            </a:r>
+            <a:r>
+              <a:rPr lang="pt-BR" sz="2000" b="1" dirty="0" err="1">
+                <a:solidFill>
+                  <a:schemeClr val="tx1"/>
+                </a:solidFill>
+                <a:latin typeface="Times New Roman" panose="02020603050405020304" pitchFamily="18" charset="0"/>
+                <a:cs typeface="Times New Roman" panose="02020603050405020304" pitchFamily="18" charset="0"/>
+              </a:rPr>
+              <a:t>print</a:t>
+            </a:r>
+            <a:r>
+              <a:rPr lang="pt-BR" sz="2000" dirty="0">
+                <a:solidFill>
+                  <a:schemeClr val="tx1"/>
+                </a:solidFill>
+                <a:latin typeface="Times New Roman" panose="02020603050405020304" pitchFamily="18" charset="0"/>
+                <a:cs typeface="Times New Roman" panose="02020603050405020304" pitchFamily="18" charset="0"/>
+              </a:rPr>
+              <a:t>(“</a:t>
+            </a:r>
+            <a:r>
+              <a:rPr lang="pt-BR" sz="2000" b="1" dirty="0">
+                <a:solidFill>
+                  <a:schemeClr val="tx1"/>
+                </a:solidFill>
+                <a:latin typeface="Times New Roman" panose="02020603050405020304" pitchFamily="18" charset="0"/>
+                <a:cs typeface="Times New Roman" panose="02020603050405020304" pitchFamily="18" charset="0"/>
+              </a:rPr>
+              <a:t>Mensagem</a:t>
+            </a:r>
+            <a:r>
+              <a:rPr lang="pt-BR" sz="2000" dirty="0">
+                <a:solidFill>
+                  <a:schemeClr val="tx1"/>
+                </a:solidFill>
+                <a:latin typeface="Times New Roman" panose="02020603050405020304" pitchFamily="18" charset="0"/>
+                <a:cs typeface="Times New Roman" panose="02020603050405020304" pitchFamily="18" charset="0"/>
+              </a:rPr>
+              <a:t>“);</a:t>
+            </a:r>
+          </a:p>
+          <a:p>
+            <a:pPr marL="0" indent="0" algn="just">
+              <a:buNone/>
+            </a:pPr>
+            <a:r>
+              <a:rPr lang="pt-BR" sz="2000" b="1" dirty="0" err="1">
+                <a:solidFill>
+                  <a:srgbClr val="FF0000"/>
+                </a:solidFill>
+                <a:latin typeface="Times New Roman" panose="02020603050405020304" pitchFamily="18" charset="0"/>
+                <a:cs typeface="Times New Roman" panose="02020603050405020304" pitchFamily="18" charset="0"/>
+              </a:rPr>
+              <a:t>System.out.</a:t>
+            </a:r>
+            <a:r>
+              <a:rPr lang="pt-BR" sz="2000" b="1" dirty="0" err="1">
+                <a:solidFill>
+                  <a:schemeClr val="tx1"/>
+                </a:solidFill>
+                <a:latin typeface="Times New Roman" panose="02020603050405020304" pitchFamily="18" charset="0"/>
+                <a:cs typeface="Times New Roman" panose="02020603050405020304" pitchFamily="18" charset="0"/>
+              </a:rPr>
+              <a:t>println</a:t>
+            </a:r>
+            <a:r>
+              <a:rPr lang="pt-BR" sz="2000" dirty="0">
+                <a:solidFill>
+                  <a:schemeClr val="tx1"/>
+                </a:solidFill>
+                <a:latin typeface="Times New Roman" panose="02020603050405020304" pitchFamily="18" charset="0"/>
+                <a:cs typeface="Times New Roman" panose="02020603050405020304" pitchFamily="18" charset="0"/>
+              </a:rPr>
+              <a:t>(“</a:t>
+            </a:r>
+            <a:r>
+              <a:rPr lang="pt-BR" sz="2000" b="1" dirty="0">
+                <a:solidFill>
+                  <a:schemeClr val="tx1"/>
+                </a:solidFill>
+                <a:latin typeface="Times New Roman" panose="02020603050405020304" pitchFamily="18" charset="0"/>
+                <a:cs typeface="Times New Roman" panose="02020603050405020304" pitchFamily="18" charset="0"/>
+              </a:rPr>
+              <a:t>Mensagem</a:t>
+            </a:r>
+            <a:r>
+              <a:rPr lang="pt-BR" sz="2000" dirty="0">
+                <a:solidFill>
+                  <a:schemeClr val="tx1"/>
+                </a:solidFill>
+                <a:latin typeface="Times New Roman" panose="02020603050405020304" pitchFamily="18" charset="0"/>
+                <a:cs typeface="Times New Roman" panose="02020603050405020304" pitchFamily="18" charset="0"/>
+              </a:rPr>
+              <a:t>“); // Impressão próxima linha</a:t>
+            </a:r>
+          </a:p>
+          <a:p>
+            <a:pPr marL="0" indent="0" algn="just">
+              <a:buNone/>
+            </a:pPr>
+            <a:r>
+              <a:rPr lang="pt-BR" sz="2000" b="1" dirty="0" err="1">
+                <a:solidFill>
+                  <a:srgbClr val="FF0000"/>
+                </a:solidFill>
+                <a:latin typeface="Times New Roman" panose="02020603050405020304" pitchFamily="18" charset="0"/>
+                <a:cs typeface="Times New Roman" panose="02020603050405020304" pitchFamily="18" charset="0"/>
+              </a:rPr>
+              <a:t>System.out.</a:t>
+            </a:r>
+            <a:r>
+              <a:rPr lang="pt-BR" sz="2000" b="1" dirty="0" err="1">
+                <a:solidFill>
+                  <a:schemeClr val="tx1"/>
+                </a:solidFill>
+                <a:latin typeface="Times New Roman" panose="02020603050405020304" pitchFamily="18" charset="0"/>
+                <a:cs typeface="Times New Roman" panose="02020603050405020304" pitchFamily="18" charset="0"/>
+              </a:rPr>
+              <a:t>print</a:t>
+            </a:r>
+            <a:r>
+              <a:rPr lang="pt-BR" sz="2000" dirty="0">
+                <a:solidFill>
+                  <a:schemeClr val="tx1"/>
+                </a:solidFill>
+                <a:latin typeface="Times New Roman" panose="02020603050405020304" pitchFamily="18" charset="0"/>
+                <a:cs typeface="Times New Roman" panose="02020603050405020304" pitchFamily="18" charset="0"/>
+              </a:rPr>
+              <a:t>(“</a:t>
+            </a:r>
+            <a:r>
+              <a:rPr lang="pt-BR" sz="2000" b="1" dirty="0">
+                <a:solidFill>
+                  <a:schemeClr val="tx1"/>
+                </a:solidFill>
+                <a:latin typeface="Times New Roman" panose="02020603050405020304" pitchFamily="18" charset="0"/>
+                <a:cs typeface="Times New Roman" panose="02020603050405020304" pitchFamily="18" charset="0"/>
+              </a:rPr>
+              <a:t>Mensagem</a:t>
+            </a:r>
+            <a:r>
+              <a:rPr lang="pt-BR" sz="2000" dirty="0">
+                <a:solidFill>
+                  <a:schemeClr val="tx1"/>
+                </a:solidFill>
+                <a:latin typeface="Times New Roman" panose="02020603050405020304" pitchFamily="18" charset="0"/>
+                <a:cs typeface="Times New Roman" panose="02020603050405020304" pitchFamily="18" charset="0"/>
+              </a:rPr>
+              <a:t>“ + Variável);</a:t>
+            </a:r>
+            <a:r>
+              <a:rPr lang="pt-BR" sz="2000" b="1" dirty="0">
+                <a:solidFill>
+                  <a:srgbClr val="FF0000"/>
+                </a:solidFill>
+                <a:latin typeface="Times New Roman" panose="02020603050405020304" pitchFamily="18" charset="0"/>
+                <a:cs typeface="Times New Roman" panose="02020603050405020304" pitchFamily="18" charset="0"/>
+              </a:rPr>
+              <a:t> </a:t>
+            </a:r>
+          </a:p>
+          <a:p>
+            <a:pPr marL="0" indent="0" algn="just">
+              <a:buNone/>
+            </a:pPr>
+            <a:r>
+              <a:rPr lang="pt-BR" sz="2000" b="1" dirty="0" err="1">
+                <a:solidFill>
+                  <a:srgbClr val="FF0000"/>
+                </a:solidFill>
+                <a:latin typeface="Times New Roman" panose="02020603050405020304" pitchFamily="18" charset="0"/>
+                <a:cs typeface="Times New Roman" panose="02020603050405020304" pitchFamily="18" charset="0"/>
+              </a:rPr>
+              <a:t>System.out.</a:t>
+            </a:r>
+            <a:r>
+              <a:rPr lang="pt-BR" sz="2000" b="1" dirty="0" err="1">
+                <a:solidFill>
+                  <a:schemeClr val="tx1"/>
+                </a:solidFill>
+                <a:latin typeface="Times New Roman" panose="02020603050405020304" pitchFamily="18" charset="0"/>
+                <a:cs typeface="Times New Roman" panose="02020603050405020304" pitchFamily="18" charset="0"/>
+              </a:rPr>
+              <a:t>print</a:t>
+            </a:r>
+            <a:r>
+              <a:rPr lang="pt-BR" sz="2000" b="1" dirty="0">
+                <a:solidFill>
+                  <a:schemeClr val="tx1"/>
+                </a:solidFill>
+                <a:latin typeface="Times New Roman" panose="02020603050405020304" pitchFamily="18" charset="0"/>
+                <a:cs typeface="Times New Roman" panose="02020603050405020304" pitchFamily="18" charset="0"/>
+              </a:rPr>
+              <a:t>(17 + 5 * 2);</a:t>
+            </a:r>
+          </a:p>
+          <a:p>
+            <a:pPr marL="0" indent="0" algn="just">
+              <a:buNone/>
+            </a:pPr>
+            <a:endParaRPr lang="pt-BR" sz="2000" b="1" dirty="0">
               <a:solidFill>
                 <a:srgbClr val="FF0000"/>
               </a:solidFill>
@@ -23368,196 +23578,292 @@
               <a:buNone/>
             </a:pPr>
             <a:r>
-              <a:rPr lang="pt-BR" sz="2400" b="1" dirty="0" err="1">
+              <a:rPr lang="pt-BR" sz="2000" b="1" dirty="0" err="1">
                 <a:solidFill>
                   <a:srgbClr val="FF0000"/>
                 </a:solidFill>
                 <a:latin typeface="Times New Roman" panose="02020603050405020304" pitchFamily="18" charset="0"/>
                 <a:cs typeface="Times New Roman" panose="02020603050405020304" pitchFamily="18" charset="0"/>
               </a:rPr>
-              <a:t>System.out.print</a:t>
-            </a:r>
-            <a:r>
-              <a:rPr lang="pt-BR" sz="2400" dirty="0">
-                <a:solidFill>
-                  <a:schemeClr val="tx1"/>
-                </a:solidFill>
-                <a:latin typeface="Times New Roman" panose="02020603050405020304" pitchFamily="18" charset="0"/>
-                <a:cs typeface="Times New Roman" panose="02020603050405020304" pitchFamily="18" charset="0"/>
-              </a:rPr>
-              <a:t>(“</a:t>
-            </a:r>
-            <a:r>
-              <a:rPr lang="pt-BR" sz="2400" b="1" dirty="0">
-                <a:solidFill>
-                  <a:schemeClr val="tx1"/>
-                </a:solidFill>
-                <a:latin typeface="Times New Roman" panose="02020603050405020304" pitchFamily="18" charset="0"/>
-                <a:cs typeface="Times New Roman" panose="02020603050405020304" pitchFamily="18" charset="0"/>
-              </a:rPr>
-              <a:t>Mensagem</a:t>
-            </a:r>
-            <a:r>
-              <a:rPr lang="pt-BR" sz="2400" dirty="0">
-                <a:solidFill>
-                  <a:schemeClr val="tx1"/>
-                </a:solidFill>
-                <a:latin typeface="Times New Roman" panose="02020603050405020304" pitchFamily="18" charset="0"/>
-                <a:cs typeface="Times New Roman" panose="02020603050405020304" pitchFamily="18" charset="0"/>
-              </a:rPr>
-              <a:t>“);</a:t>
-            </a:r>
-          </a:p>
-          <a:p>
-            <a:pPr marL="0" indent="0" algn="just">
-              <a:buNone/>
-            </a:pPr>
-            <a:endParaRPr lang="pt-BR" sz="2400" b="1" dirty="0">
-              <a:solidFill>
-                <a:srgbClr val="FF0000"/>
-              </a:solidFill>
-              <a:latin typeface="Times New Roman" panose="02020603050405020304" pitchFamily="18" charset="0"/>
-              <a:cs typeface="Times New Roman" panose="02020603050405020304" pitchFamily="18" charset="0"/>
-            </a:endParaRPr>
-          </a:p>
-          <a:p>
-            <a:pPr marL="0" indent="0" algn="just">
-              <a:buNone/>
-            </a:pPr>
-            <a:r>
-              <a:rPr lang="pt-BR" sz="2400" b="1" dirty="0" err="1">
+              <a:t>System.out.</a:t>
+            </a:r>
+            <a:r>
+              <a:rPr lang="pt-BR" sz="2000" b="1" dirty="0" err="1">
+                <a:solidFill>
+                  <a:schemeClr val="tx1"/>
+                </a:solidFill>
+                <a:latin typeface="Times New Roman" panose="02020603050405020304" pitchFamily="18" charset="0"/>
+                <a:cs typeface="Times New Roman" panose="02020603050405020304" pitchFamily="18" charset="0"/>
+              </a:rPr>
+              <a:t>prinf</a:t>
+            </a:r>
+            <a:r>
+              <a:rPr lang="pt-BR" sz="2000" b="1" dirty="0">
+                <a:solidFill>
+                  <a:schemeClr val="tx1"/>
+                </a:solidFill>
+                <a:latin typeface="Times New Roman" panose="02020603050405020304" pitchFamily="18" charset="0"/>
+                <a:cs typeface="Times New Roman" panose="02020603050405020304" pitchFamily="18" charset="0"/>
+              </a:rPr>
+              <a:t>(“Meu nome é: </a:t>
+            </a:r>
+            <a:r>
+              <a:rPr lang="pt-BR" sz="2000" b="1" dirty="0">
                 <a:solidFill>
                   <a:srgbClr val="FF0000"/>
                 </a:solidFill>
                 <a:latin typeface="Times New Roman" panose="02020603050405020304" pitchFamily="18" charset="0"/>
                 <a:cs typeface="Times New Roman" panose="02020603050405020304" pitchFamily="18" charset="0"/>
               </a:rPr>
-              <a:t>System.out.println</a:t>
-            </a:r>
-            <a:r>
-              <a:rPr lang="pt-BR" sz="2400" dirty="0">
-                <a:solidFill>
-                  <a:schemeClr val="tx1"/>
-                </a:solidFill>
-                <a:latin typeface="Times New Roman" panose="02020603050405020304" pitchFamily="18" charset="0"/>
-                <a:cs typeface="Times New Roman" panose="02020603050405020304" pitchFamily="18" charset="0"/>
-              </a:rPr>
-              <a:t>(“</a:t>
-            </a:r>
-            <a:r>
-              <a:rPr lang="pt-BR" sz="2400" b="1" dirty="0">
-                <a:solidFill>
-                  <a:schemeClr val="tx1"/>
-                </a:solidFill>
-                <a:latin typeface="Times New Roman" panose="02020603050405020304" pitchFamily="18" charset="0"/>
-                <a:cs typeface="Times New Roman" panose="02020603050405020304" pitchFamily="18" charset="0"/>
-              </a:rPr>
-              <a:t>Mensagem</a:t>
-            </a:r>
-            <a:r>
-              <a:rPr lang="pt-BR" sz="2400" dirty="0">
-                <a:solidFill>
-                  <a:schemeClr val="tx1"/>
-                </a:solidFill>
-                <a:latin typeface="Times New Roman" panose="02020603050405020304" pitchFamily="18" charset="0"/>
-                <a:cs typeface="Times New Roman" panose="02020603050405020304" pitchFamily="18" charset="0"/>
-              </a:rPr>
-              <a:t>“); // Impressão próxima linha</a:t>
-            </a:r>
-          </a:p>
-          <a:p>
-            <a:pPr marL="0" indent="0" algn="just">
-              <a:buNone/>
-            </a:pPr>
-            <a:endParaRPr lang="pt-BR" sz="2400" b="1" dirty="0">
-              <a:solidFill>
-                <a:srgbClr val="FF0000"/>
-              </a:solidFill>
-              <a:latin typeface="Times New Roman" panose="02020603050405020304" pitchFamily="18" charset="0"/>
-              <a:cs typeface="Times New Roman" panose="02020603050405020304" pitchFamily="18" charset="0"/>
-            </a:endParaRPr>
-          </a:p>
-          <a:p>
-            <a:pPr marL="0" indent="0" algn="just">
-              <a:buNone/>
-            </a:pPr>
-            <a:r>
-              <a:rPr lang="pt-BR" sz="2400" b="1" dirty="0" err="1">
+              <a:t>%s \n</a:t>
+            </a:r>
+            <a:r>
+              <a:rPr lang="pt-BR" sz="2000" b="1" dirty="0">
+                <a:solidFill>
+                  <a:schemeClr val="tx1"/>
+                </a:solidFill>
+                <a:latin typeface="Times New Roman" panose="02020603050405020304" pitchFamily="18" charset="0"/>
+                <a:cs typeface="Times New Roman" panose="02020603050405020304" pitchFamily="18" charset="0"/>
+              </a:rPr>
+              <a:t>”, </a:t>
+            </a:r>
+            <a:r>
+              <a:rPr lang="pt-BR" sz="2000" b="1" dirty="0">
                 <a:solidFill>
                   <a:srgbClr val="FF0000"/>
                 </a:solidFill>
                 <a:latin typeface="Times New Roman" panose="02020603050405020304" pitchFamily="18" charset="0"/>
                 <a:cs typeface="Times New Roman" panose="02020603050405020304" pitchFamily="18" charset="0"/>
               </a:rPr>
-              <a:t>System.out.print</a:t>
-            </a:r>
-            <a:r>
-              <a:rPr lang="pt-BR" sz="2400" dirty="0">
-                <a:solidFill>
-                  <a:schemeClr val="tx1"/>
-                </a:solidFill>
-                <a:latin typeface="Times New Roman" panose="02020603050405020304" pitchFamily="18" charset="0"/>
-                <a:cs typeface="Times New Roman" panose="02020603050405020304" pitchFamily="18" charset="0"/>
-              </a:rPr>
-              <a:t>(“</a:t>
-            </a:r>
-            <a:r>
-              <a:rPr lang="pt-BR" sz="2400" b="1" dirty="0">
-                <a:solidFill>
-                  <a:schemeClr val="tx1"/>
-                </a:solidFill>
-                <a:latin typeface="Times New Roman" panose="02020603050405020304" pitchFamily="18" charset="0"/>
-                <a:cs typeface="Times New Roman" panose="02020603050405020304" pitchFamily="18" charset="0"/>
-              </a:rPr>
-              <a:t>Mensagem</a:t>
-            </a:r>
-            <a:r>
-              <a:rPr lang="pt-BR" sz="2400" dirty="0">
-                <a:solidFill>
-                  <a:schemeClr val="tx1"/>
-                </a:solidFill>
-                <a:latin typeface="Times New Roman" panose="02020603050405020304" pitchFamily="18" charset="0"/>
-                <a:cs typeface="Times New Roman" panose="02020603050405020304" pitchFamily="18" charset="0"/>
-              </a:rPr>
-              <a:t>“ + Variável);</a:t>
-            </a:r>
-          </a:p>
-          <a:p>
-            <a:pPr marL="0" indent="0" algn="just">
-              <a:buNone/>
-            </a:pPr>
-            <a:endParaRPr lang="pt-BR" sz="2400" b="1" dirty="0">
+              <a:t>nome</a:t>
+            </a:r>
+            <a:r>
+              <a:rPr lang="pt-BR" sz="2000" b="1" dirty="0">
+                <a:solidFill>
+                  <a:schemeClr val="tx1"/>
+                </a:solidFill>
+                <a:latin typeface="Times New Roman" panose="02020603050405020304" pitchFamily="18" charset="0"/>
+                <a:cs typeface="Times New Roman" panose="02020603050405020304" pitchFamily="18" charset="0"/>
+              </a:rPr>
+              <a:t>); // %? </a:t>
+            </a:r>
+            <a:r>
+              <a:rPr lang="pt-BR" sz="2000" b="1" dirty="0">
+                <a:solidFill>
+                  <a:srgbClr val="FF0000"/>
+                </a:solidFill>
+                <a:latin typeface="Times New Roman" panose="02020603050405020304" pitchFamily="18" charset="0"/>
+                <a:cs typeface="Times New Roman" panose="02020603050405020304" pitchFamily="18" charset="0"/>
+              </a:rPr>
+              <a:t>formatação</a:t>
+            </a:r>
+          </a:p>
+          <a:p>
+            <a:pPr marL="0" indent="0" algn="just">
+              <a:buNone/>
+            </a:pPr>
+            <a:r>
+              <a:rPr lang="pt-BR" sz="2000" b="1" dirty="0" err="1">
+                <a:solidFill>
+                  <a:srgbClr val="FF0000"/>
+                </a:solidFill>
+                <a:latin typeface="Times New Roman" panose="02020603050405020304" pitchFamily="18" charset="0"/>
+                <a:cs typeface="Times New Roman" panose="02020603050405020304" pitchFamily="18" charset="0"/>
+              </a:rPr>
+              <a:t>System.out.</a:t>
+            </a:r>
+            <a:r>
+              <a:rPr lang="pt-BR" sz="2000" b="1" dirty="0" err="1">
+                <a:solidFill>
+                  <a:schemeClr val="tx1"/>
+                </a:solidFill>
+                <a:latin typeface="Times New Roman" panose="02020603050405020304" pitchFamily="18" charset="0"/>
+                <a:cs typeface="Times New Roman" panose="02020603050405020304" pitchFamily="18" charset="0"/>
+              </a:rPr>
+              <a:t>prinf</a:t>
+            </a:r>
+            <a:r>
+              <a:rPr lang="pt-BR" sz="2000" b="1" dirty="0">
+                <a:solidFill>
+                  <a:schemeClr val="tx1"/>
+                </a:solidFill>
+                <a:latin typeface="Times New Roman" panose="02020603050405020304" pitchFamily="18" charset="0"/>
+                <a:cs typeface="Times New Roman" panose="02020603050405020304" pitchFamily="18" charset="0"/>
+              </a:rPr>
+              <a:t>(“Meu nome é: </a:t>
+            </a:r>
+            <a:r>
+              <a:rPr lang="pt-BR" sz="2000" b="1" dirty="0">
+                <a:solidFill>
+                  <a:srgbClr val="FF0000"/>
+                </a:solidFill>
+                <a:latin typeface="Times New Roman" panose="02020603050405020304" pitchFamily="18" charset="0"/>
+                <a:cs typeface="Times New Roman" panose="02020603050405020304" pitchFamily="18" charset="0"/>
+              </a:rPr>
+              <a:t>%s %n</a:t>
+            </a:r>
+            <a:r>
+              <a:rPr lang="pt-BR" sz="2000" b="1" dirty="0">
+                <a:solidFill>
+                  <a:schemeClr val="tx1"/>
+                </a:solidFill>
+                <a:latin typeface="Times New Roman" panose="02020603050405020304" pitchFamily="18" charset="0"/>
+                <a:cs typeface="Times New Roman" panose="02020603050405020304" pitchFamily="18" charset="0"/>
+              </a:rPr>
+              <a:t>”, </a:t>
+            </a:r>
+            <a:r>
+              <a:rPr lang="pt-BR" sz="2000" b="1" dirty="0">
+                <a:solidFill>
+                  <a:srgbClr val="FF0000"/>
+                </a:solidFill>
+                <a:latin typeface="Times New Roman" panose="02020603050405020304" pitchFamily="18" charset="0"/>
+                <a:cs typeface="Times New Roman" panose="02020603050405020304" pitchFamily="18" charset="0"/>
+              </a:rPr>
+              <a:t>nome</a:t>
+            </a:r>
+            <a:r>
+              <a:rPr lang="pt-BR" sz="2000" b="1" dirty="0">
+                <a:solidFill>
+                  <a:schemeClr val="tx1"/>
+                </a:solidFill>
+                <a:latin typeface="Times New Roman" panose="02020603050405020304" pitchFamily="18" charset="0"/>
+                <a:cs typeface="Times New Roman" panose="02020603050405020304" pitchFamily="18" charset="0"/>
+              </a:rPr>
+              <a:t>); // %? </a:t>
+            </a:r>
+            <a:r>
+              <a:rPr lang="pt-BR" sz="2000" b="1" dirty="0">
+                <a:solidFill>
+                  <a:srgbClr val="FF0000"/>
+                </a:solidFill>
+                <a:latin typeface="Times New Roman" panose="02020603050405020304" pitchFamily="18" charset="0"/>
+                <a:cs typeface="Times New Roman" panose="02020603050405020304" pitchFamily="18" charset="0"/>
+              </a:rPr>
+              <a:t>formatação</a:t>
+            </a:r>
+          </a:p>
+          <a:p>
+            <a:pPr marL="0" indent="0" algn="just">
+              <a:buNone/>
+            </a:pPr>
+            <a:r>
+              <a:rPr lang="pt-BR" sz="2000" b="1" dirty="0" err="1">
+                <a:solidFill>
+                  <a:srgbClr val="FF0000"/>
+                </a:solidFill>
+                <a:latin typeface="Times New Roman" panose="02020603050405020304" pitchFamily="18" charset="0"/>
+                <a:cs typeface="Times New Roman" panose="02020603050405020304" pitchFamily="18" charset="0"/>
+              </a:rPr>
+              <a:t>System.out.</a:t>
+            </a:r>
+            <a:r>
+              <a:rPr lang="pt-BR" sz="2000" b="1" dirty="0" err="1">
+                <a:solidFill>
+                  <a:schemeClr val="tx1"/>
+                </a:solidFill>
+                <a:latin typeface="Times New Roman" panose="02020603050405020304" pitchFamily="18" charset="0"/>
+                <a:cs typeface="Times New Roman" panose="02020603050405020304" pitchFamily="18" charset="0"/>
+              </a:rPr>
+              <a:t>prinf</a:t>
+            </a:r>
+            <a:r>
+              <a:rPr lang="pt-BR" sz="2000" b="1" dirty="0">
+                <a:solidFill>
+                  <a:schemeClr val="tx1"/>
+                </a:solidFill>
+                <a:latin typeface="Times New Roman" panose="02020603050405020304" pitchFamily="18" charset="0"/>
+                <a:cs typeface="Times New Roman" panose="02020603050405020304" pitchFamily="18" charset="0"/>
+              </a:rPr>
+              <a:t>(“Idade: </a:t>
+            </a:r>
+            <a:r>
+              <a:rPr lang="pt-BR" sz="2000" b="1" dirty="0">
+                <a:solidFill>
+                  <a:srgbClr val="FF0000"/>
+                </a:solidFill>
+                <a:latin typeface="Times New Roman" panose="02020603050405020304" pitchFamily="18" charset="0"/>
+                <a:cs typeface="Times New Roman" panose="02020603050405020304" pitchFamily="18" charset="0"/>
+              </a:rPr>
+              <a:t>%d</a:t>
+            </a:r>
+            <a:r>
+              <a:rPr lang="pt-BR" sz="2000" b="1" dirty="0">
+                <a:solidFill>
+                  <a:schemeClr val="tx1"/>
+                </a:solidFill>
+                <a:latin typeface="Times New Roman" panose="02020603050405020304" pitchFamily="18" charset="0"/>
+                <a:cs typeface="Times New Roman" panose="02020603050405020304" pitchFamily="18" charset="0"/>
+              </a:rPr>
+              <a:t>”, idade);</a:t>
+            </a:r>
+          </a:p>
+          <a:p>
+            <a:pPr marL="0" indent="0" algn="just">
+              <a:buNone/>
+            </a:pPr>
+            <a:r>
+              <a:rPr lang="pt-BR" sz="2000" b="1" dirty="0" err="1">
+                <a:solidFill>
+                  <a:srgbClr val="FF0000"/>
+                </a:solidFill>
+                <a:latin typeface="Times New Roman" panose="02020603050405020304" pitchFamily="18" charset="0"/>
+                <a:cs typeface="Times New Roman" panose="02020603050405020304" pitchFamily="18" charset="0"/>
+              </a:rPr>
+              <a:t>System.out.</a:t>
+            </a:r>
+            <a:r>
+              <a:rPr lang="pt-BR" sz="2000" b="1" dirty="0" err="1">
+                <a:solidFill>
+                  <a:schemeClr val="tx1"/>
+                </a:solidFill>
+                <a:latin typeface="Times New Roman" panose="02020603050405020304" pitchFamily="18" charset="0"/>
+                <a:cs typeface="Times New Roman" panose="02020603050405020304" pitchFamily="18" charset="0"/>
+              </a:rPr>
+              <a:t>prinf</a:t>
+            </a:r>
+            <a:r>
+              <a:rPr lang="pt-BR" sz="2000" b="1" dirty="0">
+                <a:solidFill>
+                  <a:schemeClr val="tx1"/>
+                </a:solidFill>
+                <a:latin typeface="Times New Roman" panose="02020603050405020304" pitchFamily="18" charset="0"/>
+                <a:cs typeface="Times New Roman" panose="02020603050405020304" pitchFamily="18" charset="0"/>
+              </a:rPr>
+              <a:t>(“Salario </a:t>
+            </a:r>
+            <a:r>
+              <a:rPr lang="pt-BR" sz="2000" b="1" dirty="0">
+                <a:solidFill>
+                  <a:srgbClr val="FF0000"/>
+                </a:solidFill>
+                <a:latin typeface="Times New Roman" panose="02020603050405020304" pitchFamily="18" charset="0"/>
+                <a:cs typeface="Times New Roman" panose="02020603050405020304" pitchFamily="18" charset="0"/>
+              </a:rPr>
+              <a:t>%.2f</a:t>
+            </a:r>
+            <a:r>
+              <a:rPr lang="pt-BR" sz="2000" b="1" dirty="0">
+                <a:solidFill>
+                  <a:schemeClr val="tx1"/>
+                </a:solidFill>
+                <a:latin typeface="Times New Roman" panose="02020603050405020304" pitchFamily="18" charset="0"/>
+                <a:cs typeface="Times New Roman" panose="02020603050405020304" pitchFamily="18" charset="0"/>
+              </a:rPr>
+              <a:t>”, sal);</a:t>
+            </a:r>
+          </a:p>
+          <a:p>
+            <a:pPr marL="0" indent="0" algn="just">
+              <a:buNone/>
+            </a:pPr>
+            <a:endParaRPr lang="pt-BR" sz="2000" dirty="0">
               <a:solidFill>
                 <a:schemeClr val="tx1"/>
               </a:solidFill>
               <a:latin typeface="Times New Roman" panose="02020603050405020304" pitchFamily="18" charset="0"/>
               <a:cs typeface="Times New Roman" panose="02020603050405020304" pitchFamily="18" charset="0"/>
             </a:endParaRPr>
-          </a:p>
-          <a:p>
-            <a:pPr marL="0" indent="0" algn="just">
-              <a:buNone/>
-            </a:pPr>
-            <a:r>
-              <a:rPr lang="pt-BR" sz="2400" b="1" dirty="0" err="1">
-                <a:solidFill>
-                  <a:srgbClr val="FF0000"/>
-                </a:solidFill>
-                <a:latin typeface="Times New Roman" panose="02020603050405020304" pitchFamily="18" charset="0"/>
-                <a:cs typeface="Times New Roman" panose="02020603050405020304" pitchFamily="18" charset="0"/>
-              </a:rPr>
-              <a:t>System.out.print</a:t>
-            </a:r>
-            <a:r>
-              <a:rPr lang="pt-BR" sz="2400" b="1" dirty="0">
-                <a:solidFill>
-                  <a:schemeClr val="tx1"/>
-                </a:solidFill>
-                <a:latin typeface="Times New Roman" panose="02020603050405020304" pitchFamily="18" charset="0"/>
-                <a:cs typeface="Times New Roman" panose="02020603050405020304" pitchFamily="18" charset="0"/>
-              </a:rPr>
-              <a:t>(17 + 5 * 2);</a:t>
-            </a:r>
           </a:p>
         </p:txBody>
       </p:sp>
@@ -24752,7 +25058,92 @@
             <a:pPr marL="0" indent="0" algn="just">
               <a:buNone/>
             </a:pPr>
-            <a:endParaRPr lang="pt-BR" sz="2400" b="1" dirty="0">
+            <a:r>
+              <a:rPr lang="pt-BR" sz="2000" b="1" dirty="0" err="1">
+                <a:solidFill>
+                  <a:schemeClr val="tx1"/>
+                </a:solidFill>
+                <a:latin typeface="Times New Roman" panose="02020603050405020304" pitchFamily="18" charset="0"/>
+                <a:cs typeface="Times New Roman" panose="02020603050405020304" pitchFamily="18" charset="0"/>
+              </a:rPr>
+              <a:t>import</a:t>
+            </a:r>
+            <a:r>
+              <a:rPr lang="pt-BR" sz="2000" b="1" dirty="0">
+                <a:solidFill>
+                  <a:schemeClr val="tx1"/>
+                </a:solidFill>
+                <a:latin typeface="Times New Roman" panose="02020603050405020304" pitchFamily="18" charset="0"/>
+                <a:cs typeface="Times New Roman" panose="02020603050405020304" pitchFamily="18" charset="0"/>
+              </a:rPr>
+              <a:t> </a:t>
+            </a:r>
+            <a:r>
+              <a:rPr lang="pt-BR" sz="2000" b="1" dirty="0" err="1">
+                <a:solidFill>
+                  <a:schemeClr val="tx1"/>
+                </a:solidFill>
+                <a:latin typeface="Times New Roman" panose="02020603050405020304" pitchFamily="18" charset="0"/>
+                <a:cs typeface="Times New Roman" panose="02020603050405020304" pitchFamily="18" charset="0"/>
+              </a:rPr>
+              <a:t>java.util.Locale</a:t>
+            </a:r>
+            <a:r>
+              <a:rPr lang="pt-BR" sz="2000" b="1" dirty="0">
+                <a:solidFill>
+                  <a:schemeClr val="tx1"/>
+                </a:solidFill>
+                <a:latin typeface="Times New Roman" panose="02020603050405020304" pitchFamily="18" charset="0"/>
+                <a:cs typeface="Times New Roman" panose="02020603050405020304" pitchFamily="18" charset="0"/>
+              </a:rPr>
+              <a:t>; 	</a:t>
+            </a:r>
+            <a:r>
+              <a:rPr lang="pt-BR" sz="2000" b="1" dirty="0" err="1">
+                <a:solidFill>
+                  <a:schemeClr val="tx1"/>
+                </a:solidFill>
+                <a:latin typeface="Times New Roman" panose="02020603050405020304" pitchFamily="18" charset="0"/>
+                <a:cs typeface="Times New Roman" panose="02020603050405020304" pitchFamily="18" charset="0"/>
+              </a:rPr>
+              <a:t>import</a:t>
+            </a:r>
+            <a:r>
+              <a:rPr lang="pt-BR" sz="2000" b="1" dirty="0">
+                <a:solidFill>
+                  <a:schemeClr val="tx1"/>
+                </a:solidFill>
+                <a:latin typeface="Times New Roman" panose="02020603050405020304" pitchFamily="18" charset="0"/>
+                <a:cs typeface="Times New Roman" panose="02020603050405020304" pitchFamily="18" charset="0"/>
+              </a:rPr>
+              <a:t> </a:t>
+            </a:r>
+            <a:r>
+              <a:rPr lang="pt-BR" sz="2000" b="1" dirty="0" err="1">
+                <a:solidFill>
+                  <a:schemeClr val="tx1"/>
+                </a:solidFill>
+                <a:latin typeface="Times New Roman" panose="02020603050405020304" pitchFamily="18" charset="0"/>
+                <a:cs typeface="Times New Roman" panose="02020603050405020304" pitchFamily="18" charset="0"/>
+              </a:rPr>
+              <a:t>java.util.Scanner</a:t>
+            </a:r>
+            <a:r>
+              <a:rPr lang="pt-BR" sz="2000" b="1" dirty="0">
+                <a:solidFill>
+                  <a:schemeClr val="tx1"/>
+                </a:solidFill>
+                <a:latin typeface="Times New Roman" panose="02020603050405020304" pitchFamily="18" charset="0"/>
+                <a:cs typeface="Times New Roman" panose="02020603050405020304" pitchFamily="18" charset="0"/>
+              </a:rPr>
+              <a:t>;</a:t>
+            </a:r>
+          </a:p>
+          <a:p>
+            <a:pPr marL="0" indent="0" algn="just">
+              <a:buNone/>
+            </a:pPr>
+            <a:endParaRPr lang="pt-BR" sz="2000" b="1" dirty="0">
               <a:solidFill>
                 <a:schemeClr val="tx1"/>
               </a:solidFill>
@@ -24765,7 +25156,32 @@
               <a:buNone/>
             </a:pPr>
             <a:r>
-              <a:rPr lang="pt-BR" sz="2400" b="1" dirty="0">
+              <a:rPr lang="pt-BR" sz="2000" b="1" dirty="0" err="1">
+                <a:solidFill>
+                  <a:srgbClr val="FF0000"/>
+                </a:solidFill>
+                <a:latin typeface="Times New Roman" panose="02020603050405020304" pitchFamily="18" charset="0"/>
+                <a:cs typeface="Times New Roman" panose="02020603050405020304" pitchFamily="18" charset="0"/>
+              </a:rPr>
+              <a:t>Locale.setDefault</a:t>
+            </a:r>
+            <a:r>
+              <a:rPr lang="pt-BR" sz="2000" b="1" dirty="0">
+                <a:solidFill>
+                  <a:srgbClr val="FF0000"/>
+                </a:solidFill>
+                <a:latin typeface="Times New Roman" panose="02020603050405020304" pitchFamily="18" charset="0"/>
+                <a:cs typeface="Times New Roman" panose="02020603050405020304" pitchFamily="18" charset="0"/>
+              </a:rPr>
+              <a:t>(Locale.US);</a:t>
+            </a:r>
+          </a:p>
+          <a:p>
+            <a:pPr marL="0" indent="0" algn="just">
+              <a:buNone/>
+            </a:pPr>
+            <a:r>
+              <a:rPr lang="pt-BR" sz="2000" b="1" dirty="0">
                 <a:solidFill>
                   <a:schemeClr val="tx1"/>
                 </a:solidFill>
@@ -24775,7 +25191,7 @@
               <a:t>Scanner</a:t>
             </a:r>
             <a:r>
-              <a:rPr lang="pt-BR" sz="2400" dirty="0">
+              <a:rPr lang="pt-BR" sz="2000" dirty="0">
                 <a:solidFill>
                   <a:schemeClr val="tx1"/>
                 </a:solidFill>
@@ -24785,7 +25201,7 @@
               <a:t> </a:t>
             </a:r>
             <a:r>
-              <a:rPr lang="pt-BR" sz="2400" dirty="0" err="1">
+              <a:rPr lang="pt-BR" sz="2000" dirty="0" err="1">
                 <a:solidFill>
                   <a:schemeClr val="tx1"/>
                 </a:solidFill>
@@ -24795,7 +25211,7 @@
               <a:t>sc</a:t>
             </a:r>
             <a:r>
-              <a:rPr lang="pt-BR" sz="2400" dirty="0">
+              <a:rPr lang="pt-BR" sz="2000" dirty="0">
                 <a:solidFill>
                   <a:schemeClr val="tx1"/>
                 </a:solidFill>
@@ -24805,7 +25221,7 @@
               <a:t> = </a:t>
             </a:r>
             <a:r>
-              <a:rPr lang="pt-BR" sz="2400" b="1" dirty="0">
+              <a:rPr lang="pt-BR" sz="2000" b="1" dirty="0">
                 <a:solidFill>
                   <a:srgbClr val="FF0000"/>
                 </a:solidFill>
@@ -24815,7 +25231,7 @@
               <a:t>new</a:t>
             </a:r>
             <a:r>
-              <a:rPr lang="pt-BR" sz="2400" dirty="0">
+              <a:rPr lang="pt-BR" sz="2000" dirty="0">
                 <a:solidFill>
                   <a:schemeClr val="tx1"/>
                 </a:solidFill>
@@ -24825,7 +25241,7 @@
               <a:t> </a:t>
             </a:r>
             <a:r>
-              <a:rPr lang="pt-BR" sz="2400" b="1" dirty="0">
+              <a:rPr lang="pt-BR" sz="2000" b="1" dirty="0">
                 <a:solidFill>
                   <a:schemeClr val="tx1"/>
                 </a:solidFill>
@@ -24835,7 +25251,7 @@
               <a:t>Scanner</a:t>
             </a:r>
             <a:r>
-              <a:rPr lang="pt-BR" sz="2400" dirty="0">
+              <a:rPr lang="pt-BR" sz="2000" dirty="0">
                 <a:solidFill>
                   <a:schemeClr val="tx1"/>
                 </a:solidFill>
@@ -24845,7 +25261,7 @@
               <a:t> (System.in); // System.in (</a:t>
             </a:r>
             <a:r>
-              <a:rPr lang="pt-BR" sz="2400" b="1" dirty="0">
+              <a:rPr lang="pt-BR" sz="2000" b="1" dirty="0">
                 <a:solidFill>
                   <a:schemeClr val="tx1"/>
                 </a:solidFill>
@@ -24855,7 +25271,7 @@
               <a:t>teclado</a:t>
             </a:r>
             <a:r>
-              <a:rPr lang="pt-BR" sz="2400" dirty="0">
+              <a:rPr lang="pt-BR" sz="2000" dirty="0">
                 <a:solidFill>
                   <a:schemeClr val="tx1"/>
                 </a:solidFill>
@@ -24869,7 +25285,307 @@
             <a:pPr marL="0" indent="0" algn="just">
               <a:buNone/>
             </a:pPr>
-            <a:endParaRPr lang="pt-BR" sz="2400" dirty="0">
+            <a:r>
+              <a:rPr lang="pt-BR" sz="2000" b="1" dirty="0" err="1">
+                <a:solidFill>
+                  <a:srgbClr val="FF0000"/>
+                </a:solidFill>
+                <a:latin typeface="Times New Roman" panose="02020603050405020304" pitchFamily="18" charset="0"/>
+                <a:cs typeface="Times New Roman" panose="02020603050405020304" pitchFamily="18" charset="0"/>
+              </a:rPr>
+              <a:t>int</a:t>
+            </a:r>
+            <a:r>
+              <a:rPr lang="pt-BR" sz="2000" dirty="0">
+                <a:solidFill>
+                  <a:schemeClr val="tx1"/>
+                </a:solidFill>
+                <a:latin typeface="Times New Roman" panose="02020603050405020304" pitchFamily="18" charset="0"/>
+                <a:cs typeface="Times New Roman" panose="02020603050405020304" pitchFamily="18" charset="0"/>
+              </a:rPr>
+              <a:t> idade = </a:t>
+            </a:r>
+            <a:r>
+              <a:rPr lang="pt-BR" sz="2000" dirty="0" err="1">
+                <a:solidFill>
+                  <a:schemeClr val="tx1"/>
+                </a:solidFill>
+                <a:latin typeface="Times New Roman" panose="02020603050405020304" pitchFamily="18" charset="0"/>
+                <a:cs typeface="Times New Roman" panose="02020603050405020304" pitchFamily="18" charset="0"/>
+              </a:rPr>
+              <a:t>sc.</a:t>
+            </a:r>
+            <a:r>
+              <a:rPr lang="pt-BR" sz="2000" b="1" dirty="0" err="1">
+                <a:solidFill>
+                  <a:schemeClr val="tx1"/>
+                </a:solidFill>
+                <a:latin typeface="Times New Roman" panose="02020603050405020304" pitchFamily="18" charset="0"/>
+                <a:cs typeface="Times New Roman" panose="02020603050405020304" pitchFamily="18" charset="0"/>
+              </a:rPr>
+              <a:t>nextInt</a:t>
+            </a:r>
+            <a:r>
+              <a:rPr lang="pt-BR" sz="2000">
+                <a:solidFill>
+                  <a:schemeClr val="tx1"/>
+                </a:solidFill>
+                <a:latin typeface="Times New Roman" panose="02020603050405020304" pitchFamily="18" charset="0"/>
+                <a:cs typeface="Times New Roman" panose="02020603050405020304" pitchFamily="18" charset="0"/>
+              </a:rPr>
+              <a:t>(); 		// </a:t>
+            </a:r>
+            <a:r>
+              <a:rPr lang="pt-BR" sz="2000" b="1" dirty="0" err="1">
+                <a:solidFill>
+                  <a:srgbClr val="FF0000"/>
+                </a:solidFill>
+                <a:latin typeface="Times New Roman" panose="02020603050405020304" pitchFamily="18" charset="0"/>
+                <a:cs typeface="Times New Roman" panose="02020603050405020304" pitchFamily="18" charset="0"/>
+              </a:rPr>
+              <a:t>Integer.parseInt</a:t>
+            </a:r>
+            <a:r>
+              <a:rPr lang="pt-BR" sz="2000" b="1" dirty="0">
+                <a:solidFill>
+                  <a:srgbClr val="FF0000"/>
+                </a:solidFill>
+                <a:latin typeface="Times New Roman" panose="02020603050405020304" pitchFamily="18" charset="0"/>
+                <a:cs typeface="Times New Roman" panose="02020603050405020304" pitchFamily="18" charset="0"/>
+              </a:rPr>
+              <a:t>(</a:t>
+            </a:r>
+            <a:r>
+              <a:rPr lang="pt-BR" sz="2000" b="1" dirty="0" err="1">
+                <a:solidFill>
+                  <a:schemeClr val="tx1"/>
+                </a:solidFill>
+                <a:latin typeface="Times New Roman" panose="02020603050405020304" pitchFamily="18" charset="0"/>
+                <a:cs typeface="Times New Roman" panose="02020603050405020304" pitchFamily="18" charset="0"/>
+              </a:rPr>
+              <a:t>entrada.nextLine</a:t>
+            </a:r>
+            <a:r>
+              <a:rPr lang="pt-BR" sz="2000" b="1" dirty="0">
+                <a:solidFill>
+                  <a:schemeClr val="tx1"/>
+                </a:solidFill>
+                <a:latin typeface="Times New Roman" panose="02020603050405020304" pitchFamily="18" charset="0"/>
+                <a:cs typeface="Times New Roman" panose="02020603050405020304" pitchFamily="18" charset="0"/>
+              </a:rPr>
+              <a:t>()</a:t>
+            </a:r>
+            <a:r>
+              <a:rPr lang="pt-BR" sz="2000" b="1" dirty="0">
+                <a:solidFill>
+                  <a:srgbClr val="FF0000"/>
+                </a:solidFill>
+                <a:latin typeface="Times New Roman" panose="02020603050405020304" pitchFamily="18" charset="0"/>
+                <a:cs typeface="Times New Roman" panose="02020603050405020304" pitchFamily="18" charset="0"/>
+              </a:rPr>
+              <a:t>)</a:t>
+            </a:r>
+            <a:r>
+              <a:rPr lang="pt-BR" sz="2000" dirty="0">
+                <a:solidFill>
+                  <a:schemeClr val="tx1"/>
+                </a:solidFill>
+                <a:latin typeface="Times New Roman" panose="02020603050405020304" pitchFamily="18" charset="0"/>
+                <a:cs typeface="Times New Roman" panose="02020603050405020304" pitchFamily="18" charset="0"/>
+              </a:rPr>
+              <a:t>;</a:t>
+            </a:r>
+          </a:p>
+          <a:p>
+            <a:pPr marL="0" indent="0" algn="just">
+              <a:buNone/>
+            </a:pPr>
+            <a:r>
+              <a:rPr lang="pt-BR" sz="2000" b="1" dirty="0" err="1">
+                <a:solidFill>
+                  <a:srgbClr val="FF0000"/>
+                </a:solidFill>
+                <a:latin typeface="Times New Roman" panose="02020603050405020304" pitchFamily="18" charset="0"/>
+                <a:cs typeface="Times New Roman" panose="02020603050405020304" pitchFamily="18" charset="0"/>
+              </a:rPr>
+              <a:t>float</a:t>
+            </a:r>
+            <a:r>
+              <a:rPr lang="pt-BR" sz="2000" dirty="0">
+                <a:solidFill>
+                  <a:schemeClr val="tx1"/>
+                </a:solidFill>
+                <a:latin typeface="Times New Roman" panose="02020603050405020304" pitchFamily="18" charset="0"/>
+                <a:cs typeface="Times New Roman" panose="02020603050405020304" pitchFamily="18" charset="0"/>
+              </a:rPr>
+              <a:t> idade = </a:t>
+            </a:r>
+            <a:r>
+              <a:rPr lang="pt-BR" sz="2000" dirty="0" err="1">
+                <a:solidFill>
+                  <a:schemeClr val="tx1"/>
+                </a:solidFill>
+                <a:latin typeface="Times New Roman" panose="02020603050405020304" pitchFamily="18" charset="0"/>
+                <a:cs typeface="Times New Roman" panose="02020603050405020304" pitchFamily="18" charset="0"/>
+              </a:rPr>
+              <a:t>sc.</a:t>
+            </a:r>
+            <a:r>
+              <a:rPr lang="pt-BR" sz="2000" b="1" dirty="0" err="1">
+                <a:solidFill>
+                  <a:schemeClr val="tx1"/>
+                </a:solidFill>
+                <a:latin typeface="Times New Roman" panose="02020603050405020304" pitchFamily="18" charset="0"/>
+                <a:cs typeface="Times New Roman" panose="02020603050405020304" pitchFamily="18" charset="0"/>
+              </a:rPr>
+              <a:t>nextFloat</a:t>
+            </a:r>
+            <a:r>
+              <a:rPr lang="pt-BR" sz="2000" dirty="0">
+                <a:solidFill>
+                  <a:schemeClr val="tx1"/>
+                </a:solidFill>
+                <a:latin typeface="Times New Roman" panose="02020603050405020304" pitchFamily="18" charset="0"/>
+                <a:cs typeface="Times New Roman" panose="02020603050405020304" pitchFamily="18" charset="0"/>
+              </a:rPr>
+              <a:t>();</a:t>
+            </a:r>
+          </a:p>
+          <a:p>
+            <a:pPr marL="0" indent="0" algn="just">
+              <a:buNone/>
+            </a:pPr>
+            <a:r>
+              <a:rPr lang="pt-BR" sz="2000" b="1" dirty="0">
+                <a:solidFill>
+                  <a:srgbClr val="FF0000"/>
+                </a:solidFill>
+                <a:latin typeface="Times New Roman" panose="02020603050405020304" pitchFamily="18" charset="0"/>
+                <a:cs typeface="Times New Roman" panose="02020603050405020304" pitchFamily="18" charset="0"/>
+              </a:rPr>
+              <a:t>char</a:t>
+            </a:r>
+            <a:r>
+              <a:rPr lang="pt-BR" sz="2000" dirty="0">
+                <a:solidFill>
+                  <a:schemeClr val="tx1"/>
+                </a:solidFill>
+                <a:latin typeface="Times New Roman" panose="02020603050405020304" pitchFamily="18" charset="0"/>
+                <a:cs typeface="Times New Roman" panose="02020603050405020304" pitchFamily="18" charset="0"/>
+              </a:rPr>
+              <a:t> idade = </a:t>
+            </a:r>
+            <a:r>
+              <a:rPr lang="pt-BR" sz="2000" dirty="0" err="1">
+                <a:solidFill>
+                  <a:schemeClr val="tx1"/>
+                </a:solidFill>
+                <a:latin typeface="Times New Roman" panose="02020603050405020304" pitchFamily="18" charset="0"/>
+                <a:cs typeface="Times New Roman" panose="02020603050405020304" pitchFamily="18" charset="0"/>
+              </a:rPr>
+              <a:t>sc.</a:t>
+            </a:r>
+            <a:r>
+              <a:rPr lang="pt-BR" sz="2000" b="1" dirty="0" err="1">
+                <a:solidFill>
+                  <a:schemeClr val="tx1"/>
+                </a:solidFill>
+                <a:latin typeface="Times New Roman" panose="02020603050405020304" pitchFamily="18" charset="0"/>
+                <a:cs typeface="Times New Roman" panose="02020603050405020304" pitchFamily="18" charset="0"/>
+              </a:rPr>
+              <a:t>next</a:t>
+            </a:r>
+            <a:r>
+              <a:rPr lang="pt-BR" sz="2000" dirty="0">
+                <a:solidFill>
+                  <a:schemeClr val="tx1"/>
+                </a:solidFill>
+                <a:latin typeface="Times New Roman" panose="02020603050405020304" pitchFamily="18" charset="0"/>
+                <a:cs typeface="Times New Roman" panose="02020603050405020304" pitchFamily="18" charset="0"/>
+              </a:rPr>
+              <a:t>().</a:t>
+            </a:r>
+            <a:r>
+              <a:rPr lang="pt-BR" sz="2000" b="1" dirty="0" err="1">
+                <a:solidFill>
+                  <a:srgbClr val="FF0000"/>
+                </a:solidFill>
+                <a:latin typeface="Times New Roman" panose="02020603050405020304" pitchFamily="18" charset="0"/>
+                <a:cs typeface="Times New Roman" panose="02020603050405020304" pitchFamily="18" charset="0"/>
+              </a:rPr>
+              <a:t>charAT</a:t>
+            </a:r>
+            <a:r>
+              <a:rPr lang="pt-BR" sz="2000" dirty="0">
+                <a:solidFill>
+                  <a:schemeClr val="tx1"/>
+                </a:solidFill>
+                <a:latin typeface="Times New Roman" panose="02020603050405020304" pitchFamily="18" charset="0"/>
+                <a:cs typeface="Times New Roman" panose="02020603050405020304" pitchFamily="18" charset="0"/>
+              </a:rPr>
+              <a:t>(0);</a:t>
+            </a:r>
+          </a:p>
+          <a:p>
+            <a:pPr marL="0" indent="0" algn="just">
+              <a:buNone/>
+            </a:pPr>
+            <a:r>
+              <a:rPr lang="pt-BR" sz="2000" b="1" dirty="0" err="1">
+                <a:solidFill>
+                  <a:srgbClr val="FF0000"/>
+                </a:solidFill>
+                <a:latin typeface="Times New Roman" panose="02020603050405020304" pitchFamily="18" charset="0"/>
+                <a:cs typeface="Times New Roman" panose="02020603050405020304" pitchFamily="18" charset="0"/>
+              </a:rPr>
+              <a:t>String</a:t>
+            </a:r>
+            <a:r>
+              <a:rPr lang="pt-BR" sz="2000" dirty="0">
+                <a:solidFill>
+                  <a:schemeClr val="tx1"/>
+                </a:solidFill>
+                <a:latin typeface="Times New Roman" panose="02020603050405020304" pitchFamily="18" charset="0"/>
+                <a:cs typeface="Times New Roman" panose="02020603050405020304" pitchFamily="18" charset="0"/>
+              </a:rPr>
+              <a:t> nome = </a:t>
+            </a:r>
+            <a:r>
+              <a:rPr lang="pt-BR" sz="2000" dirty="0" err="1">
+                <a:solidFill>
+                  <a:schemeClr val="tx1"/>
+                </a:solidFill>
+                <a:latin typeface="Times New Roman" panose="02020603050405020304" pitchFamily="18" charset="0"/>
+                <a:cs typeface="Times New Roman" panose="02020603050405020304" pitchFamily="18" charset="0"/>
+              </a:rPr>
+              <a:t>sc.</a:t>
+            </a:r>
+            <a:r>
+              <a:rPr lang="pt-BR" sz="2000" b="1" dirty="0" err="1">
+                <a:solidFill>
+                  <a:schemeClr val="tx1"/>
+                </a:solidFill>
+                <a:latin typeface="Times New Roman" panose="02020603050405020304" pitchFamily="18" charset="0"/>
+                <a:cs typeface="Times New Roman" panose="02020603050405020304" pitchFamily="18" charset="0"/>
+              </a:rPr>
+              <a:t>next</a:t>
+            </a:r>
+            <a:r>
+              <a:rPr lang="pt-BR" sz="2000" dirty="0">
+                <a:solidFill>
+                  <a:schemeClr val="tx1"/>
+                </a:solidFill>
+                <a:latin typeface="Times New Roman" panose="02020603050405020304" pitchFamily="18" charset="0"/>
+                <a:cs typeface="Times New Roman" panose="02020603050405020304" pitchFamily="18" charset="0"/>
+              </a:rPr>
+              <a:t>();</a:t>
+            </a:r>
+          </a:p>
+          <a:p>
+            <a:pPr marL="0" indent="0" algn="just">
+              <a:buNone/>
+            </a:pPr>
+            <a:endParaRPr lang="pt-BR" sz="2000" b="1" dirty="0">
               <a:solidFill>
                 <a:schemeClr val="tx1"/>
               </a:solidFill>
@@ -24882,7 +25598,7 @@
               <a:buNone/>
             </a:pPr>
             <a:r>
-              <a:rPr lang="pt-BR" sz="2400" b="1" dirty="0">
+              <a:rPr lang="pt-BR" sz="2000" b="1" dirty="0">
                 <a:solidFill>
                   <a:schemeClr val="tx1"/>
                 </a:solidFill>
@@ -24892,7 +25608,7 @@
               <a:t>Nota</a:t>
             </a:r>
             <a:r>
-              <a:rPr lang="pt-BR" sz="2400" dirty="0">
+              <a:rPr lang="pt-BR" sz="2000" dirty="0">
                 <a:solidFill>
                   <a:schemeClr val="tx1"/>
                 </a:solidFill>
@@ -24902,9 +25618,9 @@
               <a:t>: No final do programa, lembrar de fechar o Scanner, </a:t>
             </a:r>
             <a:r>
-              <a:rPr lang="pt-BR" sz="2400" b="1" dirty="0" err="1">
-                <a:solidFill>
-                  <a:schemeClr val="tx1"/>
+              <a:rPr lang="pt-BR" sz="2000" b="1" dirty="0" err="1">
+                <a:solidFill>
+                  <a:srgbClr val="FF0000"/>
                 </a:solidFill>
                 <a:latin typeface="Times New Roman" panose="02020603050405020304" pitchFamily="18" charset="0"/>
                 <a:cs typeface="Times New Roman" panose="02020603050405020304" pitchFamily="18" charset="0"/>
@@ -24912,7 +25628,7 @@
               <a:t>sc.close</a:t>
             </a:r>
             <a:r>
-              <a:rPr lang="pt-BR" sz="2400" dirty="0">
+              <a:rPr lang="pt-BR" sz="2000" dirty="0">
                 <a:solidFill>
                   <a:schemeClr val="tx1"/>
                 </a:solidFill>
@@ -24921,59 +25637,7 @@
               </a:rPr>
               <a:t>().</a:t>
             </a:r>
-          </a:p>
-          <a:p>
-            <a:pPr marL="0" indent="0" algn="just">
-              <a:buNone/>
-            </a:pPr>
-            <a:endParaRPr lang="pt-BR" sz="2400" dirty="0">
-              <a:solidFill>
-                <a:schemeClr val="tx1"/>
-              </a:solidFill>
-              <a:latin typeface="Times New Roman" panose="02020603050405020304" pitchFamily="18" charset="0"/>
-              <a:cs typeface="Times New Roman" panose="02020603050405020304" pitchFamily="18" charset="0"/>
-            </a:endParaRPr>
-          </a:p>
-          <a:p>
-            <a:pPr marL="0" indent="0" algn="just">
-              <a:buNone/>
-            </a:pPr>
-            <a:r>
-              <a:rPr lang="pt-BR" sz="2400" b="1" dirty="0">
-                <a:solidFill>
-                  <a:schemeClr val="tx1"/>
-                </a:solidFill>
-                <a:latin typeface="Times New Roman" panose="02020603050405020304" pitchFamily="18" charset="0"/>
-                <a:cs typeface="Times New Roman" panose="02020603050405020304" pitchFamily="18" charset="0"/>
-              </a:rPr>
-              <a:t>close</a:t>
-            </a:r>
-            <a:r>
-              <a:rPr lang="pt-BR" sz="2400" dirty="0">
-                <a:solidFill>
-                  <a:schemeClr val="tx1"/>
-                </a:solidFill>
-                <a:latin typeface="Times New Roman" panose="02020603050405020304" pitchFamily="18" charset="0"/>
-                <a:cs typeface="Times New Roman" panose="02020603050405020304" pitchFamily="18" charset="0"/>
-              </a:rPr>
-              <a:t>() – fecha o scanner.</a:t>
-            </a:r>
-          </a:p>
-          <a:p>
-            <a:pPr marL="0" indent="0" algn="just">
-              <a:buNone/>
-            </a:pPr>
-            <a:r>
-              <a:rPr lang="pt-BR" sz="2400" dirty="0">
-                <a:solidFill>
-                  <a:schemeClr val="tx1"/>
-                </a:solidFill>
-                <a:latin typeface="Times New Roman" panose="02020603050405020304" pitchFamily="18" charset="0"/>
-                <a:cs typeface="Times New Roman" panose="02020603050405020304" pitchFamily="18" charset="0"/>
-              </a:rPr>
-              <a:t>		</a:t>
-            </a:r>
-            <a:endParaRPr lang="pt-BR" sz="2400" b="1" dirty="0">
+            <a:endParaRPr lang="pt-BR" sz="2000" b="1" dirty="0">
               <a:solidFill>
                 <a:schemeClr val="tx1"/>
               </a:solidFill>
@@ -35008,7 +35672,7 @@
               <a:buNone/>
             </a:pPr>
             <a:r>
-              <a:rPr lang="pt-BR" sz="2400" dirty="0">
+              <a:rPr lang="pt-BR" sz="2000" dirty="0">
                 <a:solidFill>
                   <a:schemeClr val="tx1"/>
                 </a:solidFill>
@@ -35018,7 +35682,7 @@
               <a:t>1. Criar projeto: </a:t>
             </a:r>
             <a:r>
-              <a:rPr lang="pt-BR" sz="2400" b="1" dirty="0">
+              <a:rPr lang="pt-BR" sz="2000" b="1" dirty="0">
                 <a:solidFill>
                   <a:schemeClr val="tx1"/>
                 </a:solidFill>
@@ -35033,7 +35697,7 @@
               <a:buNone/>
             </a:pPr>
             <a:r>
-              <a:rPr lang="pt-BR" sz="2400" dirty="0">
+              <a:rPr lang="pt-BR" sz="2000" dirty="0">
                 <a:solidFill>
                   <a:schemeClr val="tx1"/>
                 </a:solidFill>
@@ -35043,7 +35707,7 @@
               <a:t>1.1. </a:t>
             </a:r>
             <a:r>
-              <a:rPr lang="pt-BR" sz="2400" b="1" dirty="0" err="1">
+              <a:rPr lang="pt-BR" sz="2000" b="1" dirty="0" err="1">
                 <a:solidFill>
                   <a:schemeClr val="tx1"/>
                 </a:solidFill>
@@ -35053,7 +35717,7 @@
               <a:t>Categories</a:t>
             </a:r>
             <a:r>
-              <a:rPr lang="pt-BR" sz="2400" dirty="0">
+              <a:rPr lang="pt-BR" sz="2000" dirty="0">
                 <a:solidFill>
                   <a:schemeClr val="tx1"/>
                 </a:solidFill>
@@ -35063,7 +35727,7 @@
               <a:t>: Java </a:t>
             </a:r>
             <a:r>
-              <a:rPr lang="pt-BR" sz="2400" dirty="0" err="1">
+              <a:rPr lang="pt-BR" sz="2000" dirty="0" err="1">
                 <a:solidFill>
                   <a:schemeClr val="tx1"/>
                 </a:solidFill>
@@ -35073,7 +35737,7 @@
               <a:t>with</a:t>
             </a:r>
             <a:r>
-              <a:rPr lang="pt-BR" sz="2400" dirty="0">
+              <a:rPr lang="pt-BR" sz="2000" dirty="0">
                 <a:solidFill>
                   <a:schemeClr val="tx1"/>
                 </a:solidFill>
@@ -35083,7 +35747,7 @@
               <a:t> </a:t>
             </a:r>
             <a:r>
-              <a:rPr lang="pt-BR" sz="2400" dirty="0" err="1">
+              <a:rPr lang="pt-BR" sz="2000" dirty="0" err="1">
                 <a:solidFill>
                   <a:schemeClr val="tx1"/>
                 </a:solidFill>
@@ -35093,7 +35757,7 @@
               <a:t>ant</a:t>
             </a:r>
             <a:r>
-              <a:rPr lang="pt-BR" sz="2400" dirty="0">
+              <a:rPr lang="pt-BR" sz="2000" dirty="0">
                 <a:solidFill>
                   <a:schemeClr val="tx1"/>
                 </a:solidFill>
@@ -35103,7 +35767,7 @@
               <a:t> =&gt; </a:t>
             </a:r>
             <a:r>
-              <a:rPr lang="pt-BR" sz="2400" b="1" dirty="0" err="1">
+              <a:rPr lang="pt-BR" sz="2000" b="1" dirty="0" err="1">
                 <a:solidFill>
                   <a:schemeClr val="tx1"/>
                 </a:solidFill>
@@ -35113,7 +35777,7 @@
               <a:t>Projects</a:t>
             </a:r>
             <a:r>
-              <a:rPr lang="pt-BR" sz="2400" dirty="0">
+              <a:rPr lang="pt-BR" sz="2000" dirty="0">
                 <a:solidFill>
                   <a:schemeClr val="tx1"/>
                 </a:solidFill>
@@ -35123,7 +35787,7 @@
               <a:t>: Java </a:t>
             </a:r>
             <a:r>
-              <a:rPr lang="pt-BR" sz="2400" dirty="0" err="1">
+              <a:rPr lang="pt-BR" sz="2000" dirty="0" err="1">
                 <a:solidFill>
                   <a:schemeClr val="tx1"/>
                 </a:solidFill>
@@ -35132,7 +35796,7 @@
               </a:rPr>
               <a:t>Application</a:t>
             </a:r>
-            <a:endParaRPr lang="pt-BR" sz="2400" dirty="0">
+            <a:endParaRPr lang="pt-BR" sz="2000" dirty="0">
               <a:solidFill>
                 <a:schemeClr val="tx1"/>
               </a:solidFill>
@@ -35145,7 +35809,7 @@
               <a:buNone/>
             </a:pPr>
             <a:r>
-              <a:rPr lang="pt-BR" sz="2400" dirty="0">
+              <a:rPr lang="pt-BR" sz="2000" dirty="0">
                 <a:solidFill>
                   <a:schemeClr val="tx1"/>
                 </a:solidFill>
@@ -35155,7 +35819,7 @@
               <a:t>1.2. Desmarcar </a:t>
             </a:r>
             <a:r>
-              <a:rPr lang="pt-BR" sz="2400" dirty="0" err="1">
+              <a:rPr lang="pt-BR" sz="2000" dirty="0" err="1">
                 <a:solidFill>
                   <a:schemeClr val="tx1"/>
                 </a:solidFill>
@@ -35165,7 +35829,7 @@
               <a:t>checkbox</a:t>
             </a:r>
             <a:r>
-              <a:rPr lang="pt-BR" sz="2400" dirty="0">
+              <a:rPr lang="pt-BR" sz="2000" dirty="0">
                 <a:solidFill>
                   <a:schemeClr val="tx1"/>
                 </a:solidFill>
@@ -35180,7 +35844,7 @@
               <a:buNone/>
             </a:pPr>
             <a:r>
-              <a:rPr lang="pt-BR" sz="2400" dirty="0">
+              <a:rPr lang="pt-BR" sz="2000" dirty="0">
                 <a:solidFill>
                   <a:schemeClr val="tx1"/>
                 </a:solidFill>
@@ -35190,7 +35854,7 @@
               <a:t>2. Criar a classe: </a:t>
             </a:r>
             <a:r>
-              <a:rPr lang="pt-BR" sz="2400" b="1" dirty="0">
+              <a:rPr lang="pt-BR" sz="2000" b="1" dirty="0">
                 <a:solidFill>
                   <a:schemeClr val="tx1"/>
                 </a:solidFill>
@@ -35200,7 +35864,7 @@
               <a:t>new File</a:t>
             </a:r>
             <a:r>
-              <a:rPr lang="pt-BR" sz="2400" dirty="0">
+              <a:rPr lang="pt-BR" sz="2000" dirty="0">
                 <a:solidFill>
                   <a:schemeClr val="tx1"/>
                 </a:solidFill>
@@ -35215,7 +35879,7 @@
               <a:buNone/>
             </a:pPr>
             <a:r>
-              <a:rPr lang="pt-BR" sz="2400" dirty="0">
+              <a:rPr lang="pt-BR" sz="2000" dirty="0">
                 <a:solidFill>
                   <a:schemeClr val="tx1"/>
                 </a:solidFill>
@@ -35225,7 +35889,7 @@
               <a:t>2.1. </a:t>
             </a:r>
             <a:r>
-              <a:rPr lang="pt-BR" sz="2400" b="1" dirty="0" err="1">
+              <a:rPr lang="pt-BR" sz="2000" b="1" dirty="0" err="1">
                 <a:solidFill>
                   <a:schemeClr val="tx1"/>
                 </a:solidFill>
@@ -35235,7 +35899,7 @@
               <a:t>Categories</a:t>
             </a:r>
             <a:r>
-              <a:rPr lang="pt-BR" sz="2400" dirty="0">
+              <a:rPr lang="pt-BR" sz="2000" dirty="0">
                 <a:solidFill>
                   <a:schemeClr val="tx1"/>
                 </a:solidFill>
@@ -35245,7 +35909,7 @@
               <a:t>: </a:t>
             </a:r>
             <a:r>
-              <a:rPr lang="pt-BR" sz="2400" b="1" dirty="0">
+              <a:rPr lang="pt-BR" sz="2000" b="1" dirty="0">
                 <a:solidFill>
                   <a:srgbClr val="FF0000"/>
                 </a:solidFill>
@@ -35255,7 +35919,7 @@
               <a:t>Swing GUI </a:t>
             </a:r>
             <a:r>
-              <a:rPr lang="pt-BR" sz="2400" b="1" dirty="0" err="1">
+              <a:rPr lang="pt-BR" sz="2000" b="1" dirty="0" err="1">
                 <a:solidFill>
                   <a:srgbClr val="FF0000"/>
                 </a:solidFill>
@@ -35265,7 +35929,7 @@
               <a:t>Forms</a:t>
             </a:r>
             <a:r>
-              <a:rPr lang="pt-BR" sz="2400" dirty="0">
+              <a:rPr lang="pt-BR" sz="2000" dirty="0">
                 <a:solidFill>
                   <a:schemeClr val="tx1"/>
                 </a:solidFill>
@@ -35275,7 +35939,7 @@
               <a:t> =&gt; </a:t>
             </a:r>
             <a:r>
-              <a:rPr lang="pt-BR" sz="2400" b="1" dirty="0">
+              <a:rPr lang="pt-BR" sz="2000" b="1" dirty="0">
                 <a:solidFill>
                   <a:schemeClr val="tx1"/>
                 </a:solidFill>
@@ -35285,7 +35949,7 @@
               <a:t>File </a:t>
             </a:r>
             <a:r>
-              <a:rPr lang="pt-BR" sz="2400" b="1" dirty="0" err="1">
+              <a:rPr lang="pt-BR" sz="2000" b="1" dirty="0" err="1">
                 <a:solidFill>
                   <a:schemeClr val="tx1"/>
                 </a:solidFill>
@@ -35295,7 +35959,7 @@
               <a:t>Types</a:t>
             </a:r>
             <a:r>
-              <a:rPr lang="pt-BR" sz="2400" dirty="0">
+              <a:rPr lang="pt-BR" sz="2000" dirty="0">
                 <a:solidFill>
                   <a:schemeClr val="tx1"/>
                 </a:solidFill>
@@ -35305,7 +35969,7 @@
               <a:t>: </a:t>
             </a:r>
             <a:r>
-              <a:rPr lang="pt-BR" sz="2400" dirty="0" err="1">
+              <a:rPr lang="pt-BR" sz="2000" dirty="0" err="1">
                 <a:solidFill>
                   <a:schemeClr val="tx1"/>
                 </a:solidFill>
@@ -35315,7 +35979,7 @@
               <a:t>Jframe</a:t>
             </a:r>
             <a:r>
-              <a:rPr lang="pt-BR" sz="2400" dirty="0">
+              <a:rPr lang="pt-BR" sz="2000" dirty="0">
                 <a:solidFill>
                   <a:schemeClr val="tx1"/>
                 </a:solidFill>
@@ -35325,7 +35989,7 @@
               <a:t> </a:t>
             </a:r>
             <a:r>
-              <a:rPr lang="pt-BR" sz="2400" dirty="0" err="1">
+              <a:rPr lang="pt-BR" sz="2000" dirty="0" err="1">
                 <a:solidFill>
                   <a:schemeClr val="tx1"/>
                 </a:solidFill>
@@ -35334,7 +35998,7 @@
               </a:rPr>
               <a:t>Form</a:t>
             </a:r>
-            <a:endParaRPr lang="pt-BR" sz="2400" dirty="0">
+            <a:endParaRPr lang="pt-BR" sz="2000" dirty="0">
               <a:solidFill>
                 <a:schemeClr val="tx1"/>
               </a:solidFill>
@@ -35347,7 +36011,7 @@
               <a:buNone/>
             </a:pPr>
             <a:r>
-              <a:rPr lang="pt-BR" sz="2400" dirty="0">
+              <a:rPr lang="pt-BR" sz="2000" dirty="0">
                 <a:solidFill>
                   <a:schemeClr val="tx1"/>
                 </a:solidFill>
@@ -35357,7 +36021,7 @@
               <a:t>2.2. No </a:t>
             </a:r>
             <a:r>
-              <a:rPr lang="pt-BR" sz="2400" b="1" dirty="0">
+              <a:rPr lang="pt-BR" sz="2000" b="1" dirty="0">
                 <a:solidFill>
                   <a:srgbClr val="FF0000"/>
                 </a:solidFill>
@@ -35372,7 +36036,7 @@
               <a:buNone/>
             </a:pPr>
             <a:r>
-              <a:rPr lang="pt-BR" sz="2400" dirty="0">
+              <a:rPr lang="pt-BR" sz="2000" dirty="0">
                 <a:solidFill>
                   <a:schemeClr val="tx1"/>
                 </a:solidFill>
@@ -35382,7 +36046,7 @@
               <a:t>2.2.1. </a:t>
             </a:r>
             <a:r>
-              <a:rPr lang="pt-BR" sz="2400" b="1" dirty="0" err="1">
+              <a:rPr lang="pt-BR" sz="2000" b="1" dirty="0" err="1">
                 <a:solidFill>
                   <a:schemeClr val="tx1"/>
                 </a:solidFill>
@@ -35392,7 +36056,7 @@
               <a:t>Palette</a:t>
             </a:r>
             <a:r>
-              <a:rPr lang="pt-BR" sz="2400" b="1" dirty="0">
+              <a:rPr lang="pt-BR" sz="2000" b="1" dirty="0">
                 <a:solidFill>
                   <a:schemeClr val="tx1"/>
                 </a:solidFill>
@@ -35402,7 +36066,7 @@
               <a:t> de </a:t>
             </a:r>
             <a:r>
-              <a:rPr lang="pt-BR" sz="2400" b="1" dirty="0" err="1">
+              <a:rPr lang="pt-BR" sz="2000" b="1" dirty="0" err="1">
                 <a:solidFill>
                   <a:schemeClr val="tx1"/>
                 </a:solidFill>
@@ -35412,7 +36076,7 @@
               <a:t>Components</a:t>
             </a:r>
             <a:r>
-              <a:rPr lang="pt-BR" sz="2400" dirty="0">
+              <a:rPr lang="pt-BR" sz="2000" dirty="0">
                 <a:solidFill>
                   <a:schemeClr val="tx1"/>
                 </a:solidFill>
@@ -35422,7 +36086,7 @@
               <a:t>: Incluir um </a:t>
             </a:r>
             <a:r>
-              <a:rPr lang="pt-BR" sz="2400" b="1" dirty="0" err="1">
+              <a:rPr lang="pt-BR" sz="2000" b="1" dirty="0" err="1">
                 <a:solidFill>
                   <a:schemeClr val="tx1"/>
                 </a:solidFill>
@@ -35432,7 +36096,7 @@
               <a:t>label</a:t>
             </a:r>
             <a:r>
-              <a:rPr lang="pt-BR" sz="2400" dirty="0">
+              <a:rPr lang="pt-BR" sz="2000" dirty="0">
                 <a:solidFill>
                   <a:schemeClr val="tx1"/>
                 </a:solidFill>
@@ -35442,7 +36106,7 @@
               <a:t> e um </a:t>
             </a:r>
             <a:r>
-              <a:rPr lang="pt-BR" sz="2400" b="1" dirty="0" err="1">
+              <a:rPr lang="pt-BR" sz="2000" b="1" dirty="0" err="1">
                 <a:solidFill>
                   <a:schemeClr val="tx1"/>
                 </a:solidFill>
@@ -35451,7 +36115,7 @@
               </a:rPr>
               <a:t>button</a:t>
             </a:r>
-            <a:endParaRPr lang="pt-BR" sz="2400" b="1" dirty="0">
+            <a:endParaRPr lang="pt-BR" sz="2000" b="1" dirty="0">
               <a:solidFill>
                 <a:schemeClr val="tx1"/>
               </a:solidFill>
@@ -35464,7 +36128,7 @@
               <a:buNone/>
             </a:pPr>
             <a:r>
-              <a:rPr lang="pt-BR" sz="2400" b="1" dirty="0">
+              <a:rPr lang="pt-BR" sz="2000" b="1" dirty="0">
                 <a:solidFill>
                   <a:schemeClr val="tx1"/>
                 </a:solidFill>
@@ -35474,7 +36138,7 @@
               <a:t>2.2.1.1. Botão direito em cima do </a:t>
             </a:r>
             <a:r>
-              <a:rPr lang="pt-BR" sz="2400" b="1" dirty="0" err="1">
+              <a:rPr lang="pt-BR" sz="2000" b="1" dirty="0" err="1">
                 <a:solidFill>
                   <a:schemeClr val="tx1"/>
                 </a:solidFill>
@@ -35484,7 +36148,7 @@
               <a:t>button</a:t>
             </a:r>
             <a:r>
-              <a:rPr lang="pt-BR" sz="2400" b="1" dirty="0">
+              <a:rPr lang="pt-BR" sz="2000" b="1" dirty="0">
                 <a:solidFill>
                   <a:schemeClr val="tx1"/>
                 </a:solidFill>
@@ -35494,7 +36158,7 @@
               <a:t> (</a:t>
             </a:r>
             <a:r>
-              <a:rPr lang="pt-BR" sz="2400" b="1" dirty="0" err="1">
+              <a:rPr lang="pt-BR" sz="2000" b="1" dirty="0" err="1">
                 <a:solidFill>
                   <a:schemeClr val="tx1"/>
                 </a:solidFill>
@@ -35504,7 +36168,7 @@
               <a:t>Events</a:t>
             </a:r>
             <a:r>
-              <a:rPr lang="pt-BR" sz="2400" b="1" dirty="0">
+              <a:rPr lang="pt-BR" sz="2000" b="1" dirty="0">
                 <a:solidFill>
                   <a:schemeClr val="tx1"/>
                 </a:solidFill>
@@ -35514,7 +36178,7 @@
               <a:t>-&gt;</a:t>
             </a:r>
             <a:r>
-              <a:rPr lang="pt-BR" sz="2400" b="1" dirty="0" err="1">
+              <a:rPr lang="pt-BR" sz="2000" b="1" dirty="0" err="1">
                 <a:solidFill>
                   <a:schemeClr val="tx1"/>
                 </a:solidFill>
@@ -35524,7 +36188,7 @@
               <a:t>Action</a:t>
             </a:r>
             <a:r>
-              <a:rPr lang="pt-BR" sz="2400" b="1" dirty="0">
+              <a:rPr lang="pt-BR" sz="2000" b="1" dirty="0">
                 <a:solidFill>
                   <a:schemeClr val="tx1"/>
                 </a:solidFill>
@@ -35539,7 +36203,7 @@
               <a:buNone/>
             </a:pPr>
             <a:r>
-              <a:rPr lang="pt-BR" sz="2400" b="1" dirty="0">
+              <a:rPr lang="pt-BR" sz="2000" b="1" dirty="0">
                 <a:solidFill>
                   <a:schemeClr val="tx1"/>
                 </a:solidFill>
@@ -35549,7 +36213,7 @@
               <a:t>		  </a:t>
             </a:r>
             <a:r>
-              <a:rPr lang="pt-BR" sz="2400" b="1" dirty="0" err="1">
+              <a:rPr lang="pt-BR" sz="2000" b="1" dirty="0" err="1">
                 <a:solidFill>
                   <a:srgbClr val="FF0000"/>
                 </a:solidFill>
@@ -35559,7 +36223,7 @@
               <a:t>label</a:t>
             </a:r>
             <a:r>
-              <a:rPr lang="pt-BR" sz="2400" b="1" dirty="0" err="1">
+              <a:rPr lang="pt-BR" sz="2000" b="1" dirty="0" err="1">
                 <a:solidFill>
                   <a:schemeClr val="tx1"/>
                 </a:solidFill>
@@ -35569,7 +36233,7 @@
               <a:t>.setText</a:t>
             </a:r>
             <a:r>
-              <a:rPr lang="pt-BR" sz="2400" b="1" dirty="0">
+              <a:rPr lang="pt-BR" sz="2000" b="1" dirty="0">
                 <a:solidFill>
                   <a:schemeClr val="tx1"/>
                 </a:solidFill>
@@ -35579,7 +36243,7 @@
               <a:t>(“</a:t>
             </a:r>
             <a:r>
-              <a:rPr lang="pt-BR" sz="2400" dirty="0">
+              <a:rPr lang="pt-BR" sz="2000" dirty="0">
                 <a:solidFill>
                   <a:schemeClr val="tx1"/>
                 </a:solidFill>
@@ -35589,7 +36253,7 @@
               <a:t>Olá Mundo!!!</a:t>
             </a:r>
             <a:r>
-              <a:rPr lang="pt-BR" sz="2400" b="1" dirty="0">
+              <a:rPr lang="pt-BR" sz="2000" b="1" dirty="0">
                 <a:solidFill>
                   <a:schemeClr val="tx1"/>
                 </a:solidFill>
@@ -35598,7 +36262,7 @@
               </a:rPr>
               <a:t>);	</a:t>
             </a:r>
-            <a:endParaRPr lang="pt-BR" sz="2400" dirty="0">
+            <a:endParaRPr lang="pt-BR" sz="2000" dirty="0">
               <a:solidFill>
                 <a:schemeClr val="tx1"/>
               </a:solidFill>
@@ -35698,7 +36362,7 @@
               <a:buNone/>
             </a:pPr>
             <a:r>
-              <a:rPr lang="pt-BR" sz="2400" b="1" dirty="0">
+              <a:rPr lang="pt-BR" sz="2000" b="1" dirty="0">
                 <a:solidFill>
                   <a:schemeClr val="tx1"/>
                 </a:solidFill>
@@ -35708,7 +36372,7 @@
               <a:t>Nota</a:t>
             </a:r>
             <a:r>
-              <a:rPr lang="pt-BR" sz="2400" dirty="0">
+              <a:rPr lang="pt-BR" sz="2000" dirty="0">
                 <a:solidFill>
                   <a:schemeClr val="tx1"/>
                 </a:solidFill>
@@ -35718,7 +36382,7 @@
               <a:t>: Necessário adicionar os </a:t>
             </a:r>
             <a:r>
-              <a:rPr lang="pt-BR" sz="2400" b="1" dirty="0">
+              <a:rPr lang="pt-BR" sz="2000" b="1" dirty="0">
                 <a:solidFill>
                   <a:srgbClr val="FF0000"/>
                 </a:solidFill>
@@ -35728,7 +36392,7 @@
               <a:t>.JAR</a:t>
             </a:r>
             <a:r>
-              <a:rPr lang="pt-BR" sz="2400" dirty="0">
+              <a:rPr lang="pt-BR" sz="2000" dirty="0">
                 <a:solidFill>
                   <a:schemeClr val="tx1"/>
                 </a:solidFill>
@@ -35738,7 +36402,7 @@
               <a:t> do </a:t>
             </a:r>
             <a:r>
-              <a:rPr lang="pt-BR" sz="2400" b="1" dirty="0" err="1">
+              <a:rPr lang="pt-BR" sz="2000" b="1" dirty="0" err="1">
                 <a:solidFill>
                   <a:schemeClr val="tx1"/>
                 </a:solidFill>
@@ -35748,21 +36412,77 @@
               <a:t>JavaFX</a:t>
             </a:r>
             <a:r>
-              <a:rPr lang="pt-BR" sz="2400" dirty="0">
-                <a:solidFill>
-                  <a:schemeClr val="tx1"/>
-                </a:solidFill>
-                <a:latin typeface="Times New Roman" panose="02020603050405020304" pitchFamily="18" charset="0"/>
-                <a:cs typeface="Times New Roman" panose="02020603050405020304" pitchFamily="18" charset="0"/>
-              </a:rPr>
-              <a:t> na IDE NetBeans.</a:t>
-            </a:r>
-          </a:p>
-          <a:p>
-            <a:pPr marL="0" indent="0" algn="just">
-              <a:buNone/>
-            </a:pPr>
-            <a:endParaRPr lang="pt-BR" sz="2400" dirty="0">
+              <a:rPr lang="pt-BR" sz="2000" dirty="0">
+                <a:solidFill>
+                  <a:schemeClr val="tx1"/>
+                </a:solidFill>
+                <a:latin typeface="Times New Roman" panose="02020603050405020304" pitchFamily="18" charset="0"/>
+                <a:cs typeface="Times New Roman" panose="02020603050405020304" pitchFamily="18" charset="0"/>
+              </a:rPr>
+              <a:t> na IDE.</a:t>
+            </a:r>
+          </a:p>
+          <a:p>
+            <a:pPr marL="0" indent="0" algn="just">
+              <a:buNone/>
+            </a:pPr>
+            <a:r>
+              <a:rPr lang="pt-BR" sz="2000" dirty="0">
+                <a:solidFill>
+                  <a:schemeClr val="tx1"/>
+                </a:solidFill>
+                <a:latin typeface="Times New Roman" panose="02020603050405020304" pitchFamily="18" charset="0"/>
+                <a:cs typeface="Times New Roman" panose="02020603050405020304" pitchFamily="18" charset="0"/>
+              </a:rPr>
+              <a:t>	   </a:t>
+            </a:r>
+            <a:r>
+              <a:rPr lang="pt-BR" sz="2000" dirty="0">
+                <a:solidFill>
+                  <a:schemeClr val="tx1"/>
+                </a:solidFill>
+                <a:latin typeface="Times New Roman" panose="02020603050405020304" pitchFamily="18" charset="0"/>
+                <a:cs typeface="Times New Roman" panose="02020603050405020304" pitchFamily="18" charset="0"/>
+                <a:hlinkClick r:id="rId3"/>
+              </a:rPr>
+              <a:t>https://www.eclipse.org/downloads/packages/</a:t>
+            </a:r>
+            <a:r>
+              <a:rPr lang="pt-BR" sz="2000" dirty="0">
+                <a:solidFill>
+                  <a:schemeClr val="tx1"/>
+                </a:solidFill>
+                <a:latin typeface="Times New Roman" panose="02020603050405020304" pitchFamily="18" charset="0"/>
+                <a:cs typeface="Times New Roman" panose="02020603050405020304" pitchFamily="18" charset="0"/>
+              </a:rPr>
+              <a:t> (</a:t>
+            </a:r>
+            <a:r>
+              <a:rPr lang="pt-BR" sz="2000" b="1" dirty="0">
+                <a:solidFill>
+                  <a:schemeClr val="tx1"/>
+                </a:solidFill>
+                <a:latin typeface="Times New Roman" panose="02020603050405020304" pitchFamily="18" charset="0"/>
+                <a:cs typeface="Times New Roman" panose="02020603050405020304" pitchFamily="18" charset="0"/>
+              </a:rPr>
+              <a:t>Download Eclipse</a:t>
+            </a:r>
+            <a:r>
+              <a:rPr lang="pt-BR" sz="2000" dirty="0">
+                <a:solidFill>
+                  <a:schemeClr val="tx1"/>
+                </a:solidFill>
+                <a:latin typeface="Times New Roman" panose="02020603050405020304" pitchFamily="18" charset="0"/>
+                <a:cs typeface="Times New Roman" panose="02020603050405020304" pitchFamily="18" charset="0"/>
+              </a:rPr>
+              <a:t>)</a:t>
+            </a:r>
+          </a:p>
+          <a:p>
+            <a:pPr marL="0" indent="0" algn="just">
+              <a:buNone/>
+            </a:pPr>
+            <a:endParaRPr lang="pt-BR" sz="2000" dirty="0">
               <a:solidFill>
                 <a:schemeClr val="tx1"/>
               </a:solidFill>
@@ -35775,17 +36495,37 @@
               <a:buNone/>
             </a:pPr>
             <a:r>
-              <a:rPr lang="pt-BR" sz="2400" dirty="0">
-                <a:solidFill>
-                  <a:schemeClr val="tx1"/>
-                </a:solidFill>
-                <a:latin typeface="Times New Roman" panose="02020603050405020304" pitchFamily="18" charset="0"/>
-                <a:cs typeface="Times New Roman" panose="02020603050405020304" pitchFamily="18" charset="0"/>
-              </a:rPr>
-              <a:t>1. Menu Tools-&gt;Library-&gt;</a:t>
-            </a:r>
-            <a:r>
-              <a:rPr lang="pt-BR" sz="2400" b="1" dirty="0">
+              <a:rPr lang="pt-BR" sz="2000" dirty="0">
+                <a:solidFill>
+                  <a:schemeClr val="tx1"/>
+                </a:solidFill>
+                <a:latin typeface="Times New Roman" panose="02020603050405020304" pitchFamily="18" charset="0"/>
+                <a:cs typeface="Times New Roman" panose="02020603050405020304" pitchFamily="18" charset="0"/>
+              </a:rPr>
+              <a:t>1. </a:t>
+            </a:r>
+            <a:r>
+              <a:rPr lang="pt-BR" sz="2000" b="1" dirty="0">
+                <a:solidFill>
+                  <a:schemeClr val="tx1"/>
+                </a:solidFill>
+                <a:latin typeface="Times New Roman" panose="02020603050405020304" pitchFamily="18" charset="0"/>
+                <a:cs typeface="Times New Roman" panose="02020603050405020304" pitchFamily="18" charset="0"/>
+              </a:rPr>
+              <a:t>Menu Tools</a:t>
+            </a:r>
+            <a:r>
+              <a:rPr lang="pt-BR" sz="2000" dirty="0">
+                <a:solidFill>
+                  <a:schemeClr val="tx1"/>
+                </a:solidFill>
+                <a:latin typeface="Times New Roman" panose="02020603050405020304" pitchFamily="18" charset="0"/>
+                <a:cs typeface="Times New Roman" panose="02020603050405020304" pitchFamily="18" charset="0"/>
+              </a:rPr>
+              <a:t>-&gt;Library-&gt;</a:t>
+            </a:r>
+            <a:r>
+              <a:rPr lang="pt-BR" sz="2000" b="1" dirty="0">
                 <a:solidFill>
                   <a:schemeClr val="tx1"/>
                 </a:solidFill>
@@ -35795,7 +36535,7 @@
               <a:t>New Library(Pasta </a:t>
             </a:r>
             <a:r>
-              <a:rPr lang="pt-BR" sz="2400" b="1" dirty="0" err="1">
+              <a:rPr lang="pt-BR" sz="2000" b="1" dirty="0" err="1">
                 <a:solidFill>
                   <a:schemeClr val="tx1"/>
                 </a:solidFill>
@@ -35805,7 +36545,7 @@
               <a:t>JavaFX</a:t>
             </a:r>
             <a:r>
-              <a:rPr lang="pt-BR" sz="2400" b="1" dirty="0">
+              <a:rPr lang="pt-BR" sz="2000" b="1" dirty="0">
                 <a:solidFill>
                   <a:schemeClr val="tx1"/>
                 </a:solidFill>
@@ -35815,7 +36555,7 @@
               <a:t> </a:t>
             </a:r>
             <a:r>
-              <a:rPr lang="pt-BR" sz="2400" b="1" dirty="0">
+              <a:rPr lang="pt-BR" sz="2000" b="1" dirty="0">
                 <a:solidFill>
                   <a:srgbClr val="FF0000"/>
                 </a:solidFill>
@@ -35825,7 +36565,7 @@
               <a:t>versão</a:t>
             </a:r>
             <a:r>
-              <a:rPr lang="pt-BR" sz="2400" b="1" dirty="0">
+              <a:rPr lang="pt-BR" sz="2000" b="1" dirty="0">
                 <a:solidFill>
                   <a:schemeClr val="tx1"/>
                 </a:solidFill>
@@ -35839,20 +36579,8 @@
             <a:pPr marL="0" indent="0" algn="just">
               <a:buNone/>
             </a:pPr>
-            <a:endParaRPr lang="pt-BR" sz="2400" dirty="0">
-              <a:solidFill>
-                <a:schemeClr val="tx1"/>
-              </a:solidFill>
-              <a:latin typeface="Times New Roman" panose="02020603050405020304" pitchFamily="18" charset="0"/>
-              <a:cs typeface="Times New Roman" panose="02020603050405020304" pitchFamily="18" charset="0"/>
-            </a:endParaRPr>
-          </a:p>
-          <a:p>
-            <a:pPr marL="0" indent="0" algn="just">
-              <a:buNone/>
-            </a:pPr>
-            <a:r>
-              <a:rPr lang="pt-BR" sz="2400" dirty="0">
+            <a:r>
+              <a:rPr lang="pt-BR" sz="2000" dirty="0">
                 <a:solidFill>
                   <a:schemeClr val="tx1"/>
                 </a:solidFill>
@@ -35862,7 +36590,7 @@
               <a:t>2.</a:t>
             </a:r>
             <a:r>
-              <a:rPr lang="pt-BR" sz="2400" b="1" dirty="0">
+              <a:rPr lang="pt-BR" sz="2000" b="1" dirty="0">
                 <a:solidFill>
                   <a:schemeClr val="tx1"/>
                 </a:solidFill>
@@ -35872,7 +36600,7 @@
               <a:t> </a:t>
             </a:r>
             <a:r>
-              <a:rPr lang="pt-BR" sz="2400" dirty="0">
+              <a:rPr lang="pt-BR" sz="2000" dirty="0">
                 <a:solidFill>
                   <a:schemeClr val="tx1"/>
                 </a:solidFill>
@@ -35882,7 +36610,7 @@
               <a:t>Na pasta criada -&gt; </a:t>
             </a:r>
             <a:r>
-              <a:rPr lang="pt-BR" sz="2400" b="1" dirty="0" err="1">
+              <a:rPr lang="pt-BR" sz="2000" b="1" dirty="0" err="1">
                 <a:solidFill>
                   <a:schemeClr val="tx1"/>
                 </a:solidFill>
@@ -35892,7 +36620,7 @@
               <a:t>Add</a:t>
             </a:r>
             <a:r>
-              <a:rPr lang="pt-BR" sz="2400" b="1" dirty="0">
+              <a:rPr lang="pt-BR" sz="2000" b="1" dirty="0">
                 <a:solidFill>
                   <a:schemeClr val="tx1"/>
                 </a:solidFill>
@@ -35902,7 +36630,7 @@
               <a:t> JAR/Folder </a:t>
             </a:r>
             <a:r>
-              <a:rPr lang="pt-BR" sz="2400" dirty="0">
+              <a:rPr lang="pt-BR" sz="2000" dirty="0">
                 <a:solidFill>
                   <a:schemeClr val="tx1"/>
                 </a:solidFill>
@@ -35912,7 +36640,7 @@
               <a:t>(apontar para a pasta aonde encontra-se os </a:t>
             </a:r>
             <a:r>
-              <a:rPr lang="pt-BR" sz="2400" b="1" dirty="0">
+              <a:rPr lang="pt-BR" sz="2000" b="1" dirty="0">
                 <a:solidFill>
                   <a:schemeClr val="tx1"/>
                 </a:solidFill>
@@ -35922,7 +36650,7 @@
               <a:t>.JAR</a:t>
             </a:r>
             <a:r>
-              <a:rPr lang="pt-BR" sz="2400" dirty="0">
+              <a:rPr lang="pt-BR" sz="2000" dirty="0">
                 <a:solidFill>
                   <a:schemeClr val="tx1"/>
                 </a:solidFill>
@@ -35932,7 +36660,7 @@
               <a:t> do </a:t>
             </a:r>
             <a:r>
-              <a:rPr lang="pt-BR" sz="2400" b="1" dirty="0">
+              <a:rPr lang="pt-BR" sz="2000" b="1" dirty="0">
                 <a:solidFill>
                   <a:srgbClr val="FF0000"/>
                 </a:solidFill>
@@ -35942,7 +36670,7 @@
               <a:t>SDK </a:t>
             </a:r>
             <a:r>
-              <a:rPr lang="pt-BR" sz="2400" b="1" dirty="0" err="1">
+              <a:rPr lang="pt-BR" sz="2000" b="1" dirty="0" err="1">
                 <a:solidFill>
                   <a:srgbClr val="FF0000"/>
                 </a:solidFill>
@@ -35951,7 +36679,7 @@
               </a:rPr>
               <a:t>JavaFX</a:t>
             </a:r>
-            <a:endParaRPr lang="pt-BR" sz="2400" b="1" dirty="0">
+            <a:endParaRPr lang="pt-BR" sz="2000" b="1" dirty="0">
               <a:solidFill>
                 <a:srgbClr val="FF0000"/>
               </a:solidFill>
@@ -35963,7 +36691,7 @@
             <a:pPr marL="0" indent="0" algn="just">
               <a:buNone/>
             </a:pPr>
-            <a:endParaRPr lang="pt-BR" sz="1800" b="1" dirty="0">
+            <a:endParaRPr lang="pt-BR" sz="2000" b="1" dirty="0">
               <a:solidFill>
                 <a:srgbClr val="FF0000"/>
               </a:solidFill>
@@ -35976,7 +36704,7 @@
               <a:buNone/>
             </a:pPr>
             <a:r>
-              <a:rPr lang="pt-BR" sz="1800" b="1" dirty="0">
+              <a:rPr lang="pt-BR" sz="2000" b="1" dirty="0">
                 <a:solidFill>
                   <a:srgbClr val="FF0000"/>
                 </a:solidFill>
@@ -35986,7 +36714,7 @@
               <a:t>Atenção: </a:t>
             </a:r>
             <a:r>
-              <a:rPr lang="pt-BR" sz="1800" dirty="0">
+              <a:rPr lang="pt-BR" sz="2000" dirty="0">
                 <a:solidFill>
                   <a:schemeClr val="tx1"/>
                 </a:solidFill>
@@ -35996,7 +36724,7 @@
               <a:t>A partir do </a:t>
             </a:r>
             <a:r>
-              <a:rPr lang="pt-BR" sz="1800" b="1" dirty="0">
+              <a:rPr lang="pt-BR" sz="2000" b="1" dirty="0">
                 <a:solidFill>
                   <a:schemeClr val="tx1"/>
                 </a:solidFill>
@@ -36006,7 +36734,7 @@
               <a:t>Oracle JDK 11</a:t>
             </a:r>
             <a:r>
-              <a:rPr lang="pt-BR" sz="1800" dirty="0">
+              <a:rPr lang="pt-BR" sz="2000" dirty="0">
                 <a:solidFill>
                   <a:schemeClr val="tx1"/>
                 </a:solidFill>
@@ -36016,7 +36744,7 @@
               <a:t>, o </a:t>
             </a:r>
             <a:r>
-              <a:rPr lang="pt-BR" sz="1800" b="1" dirty="0" err="1">
+              <a:rPr lang="pt-BR" sz="2000" b="1" dirty="0" err="1">
                 <a:solidFill>
                   <a:schemeClr val="tx1"/>
                 </a:solidFill>
@@ -36026,7 +36754,7 @@
               <a:t>JavaFX</a:t>
             </a:r>
             <a:r>
-              <a:rPr lang="pt-BR" sz="1800" dirty="0">
+              <a:rPr lang="pt-BR" sz="2000" dirty="0">
                 <a:solidFill>
                   <a:schemeClr val="tx1"/>
                 </a:solidFill>
@@ -36036,7 +36764,7 @@
               <a:t> não vem incluído. É necessário baixar o </a:t>
             </a:r>
             <a:r>
-              <a:rPr lang="pt-BR" sz="1800" b="1" dirty="0">
+              <a:rPr lang="pt-BR" sz="2000" b="1" dirty="0">
                 <a:solidFill>
                   <a:schemeClr val="tx1"/>
                 </a:solidFill>
@@ -36046,7 +36774,7 @@
               <a:t>SDK do </a:t>
             </a:r>
             <a:r>
-              <a:rPr lang="pt-BR" sz="1800" b="1" dirty="0" err="1">
+              <a:rPr lang="pt-BR" sz="2000" b="1" dirty="0" err="1">
                 <a:solidFill>
                   <a:schemeClr val="tx1"/>
                 </a:solidFill>
@@ -36056,7 +36784,7 @@
               <a:t>JavaFX</a:t>
             </a:r>
             <a:r>
-              <a:rPr lang="pt-BR" sz="1800" dirty="0">
+              <a:rPr lang="pt-BR" sz="2000" dirty="0">
                 <a:solidFill>
                   <a:schemeClr val="tx1"/>
                 </a:solidFill>
@@ -36066,7 +36794,7 @@
               <a:t> separadamente e adicioná-lo ao projeto como se fosse uma biblioteca comum. O </a:t>
             </a:r>
             <a:r>
-              <a:rPr lang="pt-BR" sz="1800" b="1" dirty="0">
+              <a:rPr lang="pt-BR" sz="2000" b="1" dirty="0">
                 <a:solidFill>
                   <a:schemeClr val="tx1"/>
                 </a:solidFill>
@@ -36076,7 +36804,7 @@
               <a:t>SDK</a:t>
             </a:r>
             <a:r>
-              <a:rPr lang="pt-BR" sz="1800" dirty="0">
+              <a:rPr lang="pt-BR" sz="2000" dirty="0">
                 <a:solidFill>
                   <a:schemeClr val="tx1"/>
                 </a:solidFill>
@@ -36086,7 +36814,7 @@
               <a:t> pode ser </a:t>
             </a:r>
             <a:r>
-              <a:rPr lang="pt-BR" sz="1800" b="1" dirty="0">
+              <a:rPr lang="pt-BR" sz="2000" b="1" dirty="0">
                 <a:solidFill>
                   <a:schemeClr val="tx1"/>
                 </a:solidFill>
@@ -36096,7 +36824,7 @@
               <a:t>baixado</a:t>
             </a:r>
             <a:r>
-              <a:rPr lang="pt-BR" sz="1800" dirty="0">
+              <a:rPr lang="pt-BR" sz="2000" dirty="0">
                 <a:solidFill>
                   <a:schemeClr val="tx1"/>
                 </a:solidFill>
@@ -36106,7 +36834,7 @@
               <a:t> pelo </a:t>
             </a:r>
             <a:r>
-              <a:rPr lang="pt-BR" sz="1800" b="1" dirty="0">
+              <a:rPr lang="pt-BR" sz="2000" b="1" dirty="0">
                 <a:solidFill>
                   <a:schemeClr val="tx1"/>
                 </a:solidFill>
@@ -36116,7 +36844,7 @@
               <a:t>site</a:t>
             </a:r>
             <a:r>
-              <a:rPr lang="pt-BR" sz="1800" dirty="0">
+              <a:rPr lang="pt-BR" sz="2000" dirty="0">
                 <a:solidFill>
                   <a:schemeClr val="tx1"/>
                 </a:solidFill>
@@ -36126,7 +36854,7 @@
               <a:t> do </a:t>
             </a:r>
             <a:r>
-              <a:rPr lang="pt-BR" sz="1800" b="1" dirty="0" err="1">
+              <a:rPr lang="pt-BR" sz="2000" b="1" dirty="0" err="1">
                 <a:solidFill>
                   <a:srgbClr val="FF0000"/>
                 </a:solidFill>
@@ -36136,7 +36864,7 @@
               <a:t>Gluon</a:t>
             </a:r>
             <a:r>
-              <a:rPr lang="pt-BR" sz="1800" dirty="0">
+              <a:rPr lang="pt-BR" sz="2000" dirty="0">
                 <a:solidFill>
                   <a:schemeClr val="tx1"/>
                 </a:solidFill>
@@ -36258,36 +36986,6 @@
               <a:t>JAVA </a:t>
             </a:r>
             <a:r>
-              <a:rPr lang="pt-BR" sz="2400" b="1" dirty="0" err="1">
-                <a:solidFill>
-                  <a:schemeClr val="tx1"/>
-                </a:solidFill>
-                <a:latin typeface="Times New Roman" panose="02020603050405020304" pitchFamily="18" charset="0"/>
-                <a:cs typeface="Times New Roman" panose="02020603050405020304" pitchFamily="18" charset="0"/>
-              </a:rPr>
-              <a:t>with</a:t>
-            </a:r>
-            <a:r>
-              <a:rPr lang="pt-BR" sz="2400" b="1" dirty="0">
-                <a:solidFill>
-                  <a:schemeClr val="tx1"/>
-                </a:solidFill>
-                <a:latin typeface="Times New Roman" panose="02020603050405020304" pitchFamily="18" charset="0"/>
-                <a:cs typeface="Times New Roman" panose="02020603050405020304" pitchFamily="18" charset="0"/>
-              </a:rPr>
-              <a:t> </a:t>
-            </a:r>
-            <a:r>
-              <a:rPr lang="pt-BR" sz="2400" b="1" dirty="0" err="1">
-                <a:solidFill>
-                  <a:schemeClr val="tx1"/>
-                </a:solidFill>
-                <a:latin typeface="Times New Roman" panose="02020603050405020304" pitchFamily="18" charset="0"/>
-                <a:cs typeface="Times New Roman" panose="02020603050405020304" pitchFamily="18" charset="0"/>
-              </a:rPr>
-              <a:t>Ant</a:t>
-            </a:r>
-            <a:r>
               <a:rPr lang="pt-BR" sz="2400" dirty="0">
                 <a:solidFill>
                   <a:schemeClr val="tx1"/>
@@ -36295,7 +36993,7 @@
                 <a:latin typeface="Times New Roman" panose="02020603050405020304" pitchFamily="18" charset="0"/>
                 <a:cs typeface="Times New Roman" panose="02020603050405020304" pitchFamily="18" charset="0"/>
               </a:rPr>
-              <a:t> -&gt; Java </a:t>
+              <a:t>-&gt; Java </a:t>
             </a:r>
             <a:r>
               <a:rPr lang="pt-BR" sz="2400" dirty="0" err="1">
@@ -38041,14 +38739,14 @@
               <a:buChar char="-"/>
             </a:pPr>
             <a:r>
-              <a:rPr lang="pt-BR" dirty="0">
+              <a:rPr lang="pt-BR" sz="2000" dirty="0">
                 <a:latin typeface="Times New Roman" panose="02020603050405020304" pitchFamily="18" charset="0"/>
                 <a:cs typeface="Times New Roman" panose="02020603050405020304" pitchFamily="18" charset="0"/>
               </a:rPr>
               <a:t>Exercícios de Fixação </a:t>
             </a:r>
             <a:r>
-              <a:rPr lang="pt-BR" b="1" dirty="0">
+              <a:rPr lang="pt-BR" sz="2000" b="1" dirty="0">
                 <a:latin typeface="Times New Roman" panose="02020603050405020304" pitchFamily="18" charset="0"/>
                 <a:cs typeface="Times New Roman" panose="02020603050405020304" pitchFamily="18" charset="0"/>
               </a:rPr>
@@ -38060,67 +38758,14 @@
               <a:buNone/>
             </a:pPr>
             <a:r>
-              <a:rPr lang="pt-BR" dirty="0">
-                <a:latin typeface="Times New Roman" panose="02020603050405020304" pitchFamily="18" charset="0"/>
-                <a:cs typeface="Times New Roman" panose="02020603050405020304" pitchFamily="18" charset="0"/>
-              </a:rPr>
-              <a:t>	</a:t>
-            </a:r>
-            <a:r>
-              <a:rPr lang="pt-BR" b="1" dirty="0">
-                <a:solidFill>
-                  <a:srgbClr val="FF0000"/>
-                </a:solidFill>
-                <a:latin typeface="Times New Roman" panose="02020603050405020304" pitchFamily="18" charset="0"/>
-                <a:cs typeface="Times New Roman" panose="02020603050405020304" pitchFamily="18" charset="0"/>
-              </a:rPr>
-              <a:t>Desafio em Sala de Aula</a:t>
-            </a:r>
-            <a:r>
-              <a:rPr lang="pt-BR" dirty="0">
-                <a:latin typeface="Times New Roman" panose="02020603050405020304" pitchFamily="18" charset="0"/>
-                <a:cs typeface="Times New Roman" panose="02020603050405020304" pitchFamily="18" charset="0"/>
-              </a:rPr>
-              <a:t>.</a:t>
-            </a:r>
-          </a:p>
-          <a:p>
-            <a:pPr marL="0" indent="0" algn="just">
-              <a:buNone/>
-            </a:pPr>
-            <a:r>
-              <a:rPr lang="pt-BR" dirty="0">
-                <a:latin typeface="Times New Roman" panose="02020603050405020304" pitchFamily="18" charset="0"/>
-                <a:cs typeface="Times New Roman" panose="02020603050405020304" pitchFamily="18" charset="0"/>
-              </a:rPr>
-              <a:t>		</a:t>
-            </a:r>
-          </a:p>
-          <a:p>
-            <a:pPr marL="0" indent="0" algn="just">
-              <a:buNone/>
-            </a:pPr>
-            <a:r>
-              <a:rPr lang="es-ES" dirty="0">
-                <a:latin typeface="Times New Roman" panose="02020603050405020304" pitchFamily="18" charset="0"/>
-                <a:cs typeface="Times New Roman" panose="02020603050405020304" pitchFamily="18" charset="0"/>
-              </a:rPr>
-              <a:t>- Quiz JAVA</a:t>
-            </a:r>
-          </a:p>
-          <a:p>
-            <a:pPr marL="0" indent="0" algn="just">
-              <a:buNone/>
-            </a:pPr>
-            <a:r>
-              <a:rPr lang="es-ES" dirty="0">
+              <a:rPr lang="pt-BR" sz="2000" dirty="0">
                 <a:latin typeface="Times New Roman" panose="02020603050405020304" pitchFamily="18" charset="0"/>
                 <a:cs typeface="Times New Roman" panose="02020603050405020304" pitchFamily="18" charset="0"/>
                 <a:hlinkClick r:id="rId3"/>
               </a:rPr>
-              <a:t>https://www.w3schools.com/java/java_quiz.asp</a:t>
-            </a:r>
-            <a:endParaRPr lang="es-ES" dirty="0">
+              <a:t>https://www.beecrowd.com.br/judge/pt/categories</a:t>
+            </a:r>
+            <a:endParaRPr lang="pt-BR" sz="2000" dirty="0">
               <a:latin typeface="Times New Roman" panose="02020603050405020304" pitchFamily="18" charset="0"/>
               <a:cs typeface="Times New Roman" panose="02020603050405020304" pitchFamily="18" charset="0"/>
             </a:endParaRPr>
@@ -38129,7 +38774,131 @@
             <a:pPr marL="0" indent="0" algn="just">
               <a:buNone/>
             </a:pPr>
-            <a:endParaRPr lang="pt-BR" dirty="0">
+            <a:endParaRPr lang="pt-BR" sz="2000" dirty="0">
+              <a:latin typeface="Times New Roman" panose="02020603050405020304" pitchFamily="18" charset="0"/>
+              <a:cs typeface="Times New Roman" panose="02020603050405020304" pitchFamily="18" charset="0"/>
+            </a:endParaRPr>
+          </a:p>
+          <a:p>
+            <a:pPr marL="0" indent="0" algn="just">
+              <a:buNone/>
+            </a:pPr>
+            <a:r>
+              <a:rPr lang="pt-BR" sz="2000" b="1" dirty="0">
+                <a:solidFill>
+                  <a:srgbClr val="FF0000"/>
+                </a:solidFill>
+                <a:latin typeface="Times New Roman" panose="02020603050405020304" pitchFamily="18" charset="0"/>
+                <a:cs typeface="Times New Roman" panose="02020603050405020304" pitchFamily="18" charset="0"/>
+              </a:rPr>
+              <a:t>Desafio em Sala de Aula (</a:t>
+            </a:r>
+            <a:r>
+              <a:rPr lang="pt-BR" sz="2000" b="1" dirty="0">
+                <a:latin typeface="Times New Roman" panose="02020603050405020304" pitchFamily="18" charset="0"/>
+                <a:cs typeface="Times New Roman" panose="02020603050405020304" pitchFamily="18" charset="0"/>
+              </a:rPr>
+              <a:t>URI Online Judge – </a:t>
+            </a:r>
+            <a:r>
+              <a:rPr lang="pt-BR" sz="2000" b="1" dirty="0" err="1">
+                <a:latin typeface="Times New Roman" panose="02020603050405020304" pitchFamily="18" charset="0"/>
+                <a:cs typeface="Times New Roman" panose="02020603050405020304" pitchFamily="18" charset="0"/>
+              </a:rPr>
+              <a:t>beecrowd</a:t>
+            </a:r>
+            <a:r>
+              <a:rPr lang="pt-BR" sz="2000" b="1" dirty="0">
+                <a:solidFill>
+                  <a:srgbClr val="FF0000"/>
+                </a:solidFill>
+                <a:latin typeface="Times New Roman" panose="02020603050405020304" pitchFamily="18" charset="0"/>
+                <a:cs typeface="Times New Roman" panose="02020603050405020304" pitchFamily="18" charset="0"/>
+              </a:rPr>
+              <a:t>)</a:t>
+            </a:r>
+            <a:endParaRPr lang="pt-BR" sz="2000" dirty="0">
+              <a:latin typeface="Times New Roman" panose="02020603050405020304" pitchFamily="18" charset="0"/>
+              <a:cs typeface="Times New Roman" panose="02020603050405020304" pitchFamily="18" charset="0"/>
+            </a:endParaRPr>
+          </a:p>
+          <a:p>
+            <a:pPr marL="0" indent="0" algn="just">
+              <a:buNone/>
+            </a:pPr>
+            <a:r>
+              <a:rPr lang="pt-BR" sz="2000" dirty="0">
+                <a:latin typeface="Times New Roman" panose="02020603050405020304" pitchFamily="18" charset="0"/>
+                <a:cs typeface="Times New Roman" panose="02020603050405020304" pitchFamily="18" charset="0"/>
+                <a:hlinkClick r:id="rId4"/>
+              </a:rPr>
+              <a:t>https://www.beecrowd.com.br/judge/en/problems/view/1078?origem=1</a:t>
+            </a:r>
+            <a:endParaRPr lang="pt-BR" sz="2000" dirty="0">
+              <a:latin typeface="Times New Roman" panose="02020603050405020304" pitchFamily="18" charset="0"/>
+              <a:cs typeface="Times New Roman" panose="02020603050405020304" pitchFamily="18" charset="0"/>
+            </a:endParaRPr>
+          </a:p>
+          <a:p>
+            <a:pPr marL="0" indent="0" algn="just">
+              <a:buNone/>
+            </a:pPr>
+            <a:r>
+              <a:rPr lang="pt-BR" sz="2000" dirty="0">
+                <a:latin typeface="Times New Roman" panose="02020603050405020304" pitchFamily="18" charset="0"/>
+                <a:cs typeface="Times New Roman" panose="02020603050405020304" pitchFamily="18" charset="0"/>
+                <a:hlinkClick r:id="rId5"/>
+              </a:rPr>
+              <a:t>https://www.beecrowd.com.br/judge/en/problems/view/1094?origem=1</a:t>
+            </a:r>
+            <a:endParaRPr lang="pt-BR" sz="2000" dirty="0">
+              <a:latin typeface="Times New Roman" panose="02020603050405020304" pitchFamily="18" charset="0"/>
+              <a:cs typeface="Times New Roman" panose="02020603050405020304" pitchFamily="18" charset="0"/>
+            </a:endParaRPr>
+          </a:p>
+          <a:p>
+            <a:pPr marL="0" indent="0" algn="just">
+              <a:buNone/>
+            </a:pPr>
+            <a:endParaRPr lang="pt-BR" sz="2000" dirty="0">
+              <a:latin typeface="Times New Roman" panose="02020603050405020304" pitchFamily="18" charset="0"/>
+              <a:cs typeface="Times New Roman" panose="02020603050405020304" pitchFamily="18" charset="0"/>
+            </a:endParaRPr>
+          </a:p>
+          <a:p>
+            <a:pPr marL="0" indent="0" algn="just">
+              <a:buNone/>
+            </a:pPr>
+            <a:r>
+              <a:rPr lang="es-ES" sz="2000" dirty="0">
+                <a:latin typeface="Times New Roman" panose="02020603050405020304" pitchFamily="18" charset="0"/>
+                <a:cs typeface="Times New Roman" panose="02020603050405020304" pitchFamily="18" charset="0"/>
+              </a:rPr>
+              <a:t>- Quiz JAVA</a:t>
+            </a:r>
+          </a:p>
+          <a:p>
+            <a:pPr marL="0" indent="0" algn="just">
+              <a:buNone/>
+            </a:pPr>
+            <a:r>
+              <a:rPr lang="es-ES" sz="2000" dirty="0">
+                <a:latin typeface="Times New Roman" panose="02020603050405020304" pitchFamily="18" charset="0"/>
+                <a:cs typeface="Times New Roman" panose="02020603050405020304" pitchFamily="18" charset="0"/>
+                <a:hlinkClick r:id="rId6"/>
+              </a:rPr>
+              <a:t>https://www.w3schools.com/java/java_quiz.asp</a:t>
+            </a:r>
+            <a:endParaRPr lang="es-ES" sz="2000" dirty="0">
+              <a:latin typeface="Times New Roman" panose="02020603050405020304" pitchFamily="18" charset="0"/>
+              <a:cs typeface="Times New Roman" panose="02020603050405020304" pitchFamily="18" charset="0"/>
+            </a:endParaRPr>
+          </a:p>
+          <a:p>
+            <a:pPr marL="0" indent="0" algn="just">
+              <a:buNone/>
+            </a:pPr>
+            <a:endParaRPr lang="pt-BR" sz="2000" dirty="0">
               <a:latin typeface="Calibri" panose="020F0502020204030204" pitchFamily="34" charset="0"/>
             </a:endParaRPr>
           </a:p>
